--- a/finalProject.pptx
+++ b/finalProject.pptx
@@ -5,7 +5,7 @@
     <p:sldMasterId id="2147483696" r:id="rId1"/>
   </p:sldMasterIdLst>
   <p:notesMasterIdLst>
-    <p:notesMasterId r:id="rId33"/>
+    <p:notesMasterId r:id="rId34"/>
   </p:notesMasterIdLst>
   <p:sldIdLst>
     <p:sldId id="256" r:id="rId2"/>
@@ -21,11 +21,11 @@
     <p:sldId id="283" r:id="rId12"/>
     <p:sldId id="284" r:id="rId13"/>
     <p:sldId id="265" r:id="rId14"/>
-    <p:sldId id="293" r:id="rId15"/>
-    <p:sldId id="291" r:id="rId16"/>
-    <p:sldId id="266" r:id="rId17"/>
-    <p:sldId id="267" r:id="rId18"/>
-    <p:sldId id="268" r:id="rId19"/>
+    <p:sldId id="291" r:id="rId15"/>
+    <p:sldId id="266" r:id="rId16"/>
+    <p:sldId id="267" r:id="rId17"/>
+    <p:sldId id="268" r:id="rId18"/>
+    <p:sldId id="293" r:id="rId19"/>
     <p:sldId id="269" r:id="rId20"/>
     <p:sldId id="285" r:id="rId21"/>
     <p:sldId id="270" r:id="rId22"/>
@@ -33,12 +33,13 @@
     <p:sldId id="286" r:id="rId24"/>
     <p:sldId id="272" r:id="rId25"/>
     <p:sldId id="287" r:id="rId26"/>
-    <p:sldId id="273" r:id="rId27"/>
-    <p:sldId id="274" r:id="rId28"/>
-    <p:sldId id="275" r:id="rId29"/>
-    <p:sldId id="277" r:id="rId30"/>
-    <p:sldId id="278" r:id="rId31"/>
-    <p:sldId id="279" r:id="rId32"/>
+    <p:sldId id="294" r:id="rId27"/>
+    <p:sldId id="273" r:id="rId28"/>
+    <p:sldId id="274" r:id="rId29"/>
+    <p:sldId id="275" r:id="rId30"/>
+    <p:sldId id="277" r:id="rId31"/>
+    <p:sldId id="278" r:id="rId32"/>
+    <p:sldId id="279" r:id="rId33"/>
   </p:sldIdLst>
   <p:sldSz cx="12192000" cy="6858000"/>
   <p:notesSz cx="6858000" cy="9144000"/>
@@ -1075,6 +1076,90 @@
     <p:extLst>
       <p:ext uri="{BB962C8B-B14F-4D97-AF65-F5344CB8AC3E}">
         <p14:creationId xmlns:p14="http://schemas.microsoft.com/office/powerpoint/2010/main" val="2520949825"/>
+      </p:ext>
+    </p:extLst>
+  </p:cSld>
+  <p:clrMapOvr>
+    <a:masterClrMapping/>
+  </p:clrMapOvr>
+</p:notes>
+</file>
+
+<file path=ppt/notesSlides/notesSlide6.xml><?xml version="1.0" encoding="utf-8"?>
+<p:notes xmlns:a="http://schemas.openxmlformats.org/drawingml/2006/main" xmlns:r="http://schemas.openxmlformats.org/officeDocument/2006/relationships" xmlns:p="http://schemas.openxmlformats.org/presentationml/2006/main">
+  <p:cSld>
+    <p:spTree>
+      <p:nvGrpSpPr>
+        <p:cNvPr id="1" name=""/>
+        <p:cNvGrpSpPr/>
+        <p:nvPr/>
+      </p:nvGrpSpPr>
+      <p:grpSpPr>
+        <a:xfrm>
+          <a:off x="0" y="0"/>
+          <a:ext cx="0" cy="0"/>
+          <a:chOff x="0" y="0"/>
+          <a:chExt cx="0" cy="0"/>
+        </a:xfrm>
+      </p:grpSpPr>
+      <p:sp>
+        <p:nvSpPr>
+          <p:cNvPr id="2" name="Slide Image Placeholder 1"/>
+          <p:cNvSpPr>
+            <a:spLocks noGrp="1" noRot="1" noChangeAspect="1"/>
+          </p:cNvSpPr>
+          <p:nvPr>
+            <p:ph type="sldImg"/>
+          </p:nvPr>
+        </p:nvSpPr>
+        <p:spPr/>
+      </p:sp>
+      <p:sp>
+        <p:nvSpPr>
+          <p:cNvPr id="3" name="Notes Placeholder 2"/>
+          <p:cNvSpPr>
+            <a:spLocks noGrp="1"/>
+          </p:cNvSpPr>
+          <p:nvPr>
+            <p:ph type="body" idx="1"/>
+          </p:nvPr>
+        </p:nvSpPr>
+        <p:spPr/>
+        <p:txBody>
+          <a:bodyPr/>
+          <a:lstStyle/>
+          <a:p>
+            <a:endParaRPr lang="en-US" dirty="0"/>
+          </a:p>
+        </p:txBody>
+      </p:sp>
+      <p:sp>
+        <p:nvSpPr>
+          <p:cNvPr id="4" name="Slide Number Placeholder 3"/>
+          <p:cNvSpPr>
+            <a:spLocks noGrp="1"/>
+          </p:cNvSpPr>
+          <p:nvPr>
+            <p:ph type="sldNum" sz="quarter" idx="5"/>
+          </p:nvPr>
+        </p:nvSpPr>
+        <p:spPr/>
+        <p:txBody>
+          <a:bodyPr/>
+          <a:lstStyle/>
+          <a:p>
+            <a:fld id="{A728BC98-5B66-49BE-8737-91018613CEF4}" type="slidenum">
+              <a:rPr lang="en-US" smtClean="0"/>
+              <a:t>26</a:t>
+            </a:fld>
+            <a:endParaRPr lang="en-US"/>
+          </a:p>
+        </p:txBody>
+      </p:sp>
+    </p:spTree>
+    <p:extLst>
+      <p:ext uri="{BB962C8B-B14F-4D97-AF65-F5344CB8AC3E}">
+        <p14:creationId xmlns:p14="http://schemas.microsoft.com/office/powerpoint/2010/main" val="1267566552"/>
       </p:ext>
     </p:extLst>
   </p:cSld>
@@ -5032,6 +5117,1262 @@
 <file path=ppt/slides/slide14.xml><?xml version="1.0" encoding="utf-8"?>
 <p:sld xmlns:a="http://schemas.openxmlformats.org/drawingml/2006/main" xmlns:r="http://schemas.openxmlformats.org/officeDocument/2006/relationships" xmlns:p="http://schemas.openxmlformats.org/presentationml/2006/main">
   <p:cSld>
+    <p:bg>
+      <p:bgPr>
+        <a:solidFill>
+          <a:schemeClr val="accent2"/>
+        </a:solidFill>
+        <a:effectLst/>
+      </p:bgPr>
+    </p:bg>
+    <p:spTree>
+      <p:nvGrpSpPr>
+        <p:cNvPr id="1" name=""/>
+        <p:cNvGrpSpPr/>
+        <p:nvPr/>
+      </p:nvGrpSpPr>
+      <p:grpSpPr>
+        <a:xfrm>
+          <a:off x="0" y="0"/>
+          <a:ext cx="0" cy="0"/>
+          <a:chOff x="0" y="0"/>
+          <a:chExt cx="0" cy="0"/>
+        </a:xfrm>
+      </p:grpSpPr>
+      <p:sp>
+        <p:nvSpPr>
+          <p:cNvPr id="18" name="Rectangle 13">
+            <a:extLst>
+              <a:ext uri="{FF2B5EF4-FFF2-40B4-BE49-F238E27FC236}">
+                <a16:creationId xmlns:a16="http://schemas.microsoft.com/office/drawing/2014/main" id="{4E3759DD-698F-4D3A-AF4C-5E44527D3070}"/>
+              </a:ext>
+              <a:ext uri="{C183D7F6-B498-43B3-948B-1728B52AA6E4}">
+                <adec:decorative xmlns:adec="http://schemas.microsoft.com/office/drawing/2017/decorative" val="1"/>
+              </a:ext>
+            </a:extLst>
+          </p:cNvPr>
+          <p:cNvSpPr>
+            <a:spLocks noGrp="1" noRot="1" noChangeAspect="1" noMove="1" noResize="1" noEditPoints="1" noAdjustHandles="1" noChangeArrowheads="1" noChangeShapeType="1" noTextEdit="1"/>
+          </p:cNvSpPr>
+          <p:nvPr>
+            <p:extLst>
+              <p:ext uri="{386F3935-93C4-4BCD-93E2-E3B085C9AB24}">
+                <p16:designElem xmlns:p16="http://schemas.microsoft.com/office/powerpoint/2015/main" val="1"/>
+              </p:ext>
+            </p:extLst>
+          </p:nvPr>
+        </p:nvSpPr>
+        <p:spPr>
+          <a:xfrm>
+            <a:off x="0" y="-2"/>
+            <a:ext cx="12192000" cy="4918511"/>
+          </a:xfrm>
+          <a:prstGeom prst="rect">
+            <a:avLst/>
+          </a:prstGeom>
+          <a:solidFill>
+            <a:srgbClr val="FFFFFF"/>
+          </a:solidFill>
+          <a:ln>
+            <a:noFill/>
+          </a:ln>
+        </p:spPr>
+        <p:style>
+          <a:lnRef idx="2">
+            <a:schemeClr val="accent1">
+              <a:shade val="50000"/>
+            </a:schemeClr>
+          </a:lnRef>
+          <a:fillRef idx="1">
+            <a:schemeClr val="accent1"/>
+          </a:fillRef>
+          <a:effectRef idx="0">
+            <a:schemeClr val="accent1"/>
+          </a:effectRef>
+          <a:fontRef idx="minor">
+            <a:schemeClr val="lt1"/>
+          </a:fontRef>
+        </p:style>
+        <p:txBody>
+          <a:bodyPr rtlCol="0" anchor="ctr"/>
+          <a:lstStyle/>
+          <a:p>
+            <a:pPr algn="ctr"/>
+            <a:endParaRPr lang="en-US"/>
+          </a:p>
+        </p:txBody>
+      </p:sp>
+      <p:sp>
+        <p:nvSpPr>
+          <p:cNvPr id="2" name="Title 1">
+            <a:extLst>
+              <a:ext uri="{FF2B5EF4-FFF2-40B4-BE49-F238E27FC236}">
+                <a16:creationId xmlns:a16="http://schemas.microsoft.com/office/drawing/2014/main" id="{ABC629E6-674F-99AD-A666-F7F6C27AA2A0}"/>
+              </a:ext>
+            </a:extLst>
+          </p:cNvPr>
+          <p:cNvSpPr>
+            <a:spLocks noGrp="1"/>
+          </p:cNvSpPr>
+          <p:nvPr>
+            <p:ph type="title"/>
+          </p:nvPr>
+        </p:nvSpPr>
+        <p:spPr>
+          <a:xfrm>
+            <a:off x="1600200" y="4269282"/>
+            <a:ext cx="8991600" cy="1264762"/>
+          </a:xfrm>
+        </p:spPr>
+        <p:txBody>
+          <a:bodyPr vert="horz" lIns="274320" tIns="182880" rIns="274320" bIns="182880" rtlCol="0" anchor="ctr" anchorCtr="1">
+            <a:normAutofit/>
+          </a:bodyPr>
+          <a:lstStyle/>
+          <a:p>
+            <a:r>
+              <a:rPr lang="en-US" sz="3200"/>
+              <a:t>Architectures</a:t>
+            </a:r>
+          </a:p>
+        </p:txBody>
+      </p:sp>
+      <p:pic>
+        <p:nvPicPr>
+          <p:cNvPr id="5" name="Content Placeholder 4" descr="Diagram&#10;&#10;Description automatically generated">
+            <a:extLst>
+              <a:ext uri="{FF2B5EF4-FFF2-40B4-BE49-F238E27FC236}">
+                <a16:creationId xmlns:a16="http://schemas.microsoft.com/office/drawing/2014/main" id="{5ADE7B58-A5E4-5875-CE31-2FBDCEBFFDE6}"/>
+              </a:ext>
+            </a:extLst>
+          </p:cNvPr>
+          <p:cNvPicPr>
+            <a:picLocks noGrp="1" noChangeAspect="1"/>
+          </p:cNvPicPr>
+          <p:nvPr>
+            <p:ph idx="1"/>
+          </p:nvPr>
+        </p:nvPicPr>
+        <p:blipFill>
+          <a:blip r:embed="rId2"/>
+          <a:stretch>
+            <a:fillRect/>
+          </a:stretch>
+        </p:blipFill>
+        <p:spPr>
+          <a:xfrm>
+            <a:off x="8790628" y="659735"/>
+            <a:ext cx="1003542" cy="3301307"/>
+          </a:xfrm>
+          <a:prstGeom prst="rect">
+            <a:avLst/>
+          </a:prstGeom>
+        </p:spPr>
+      </p:pic>
+      <p:pic>
+        <p:nvPicPr>
+          <p:cNvPr id="7" name="Picture 6" descr="Diagram&#10;&#10;Description automatically generated">
+            <a:extLst>
+              <a:ext uri="{FF2B5EF4-FFF2-40B4-BE49-F238E27FC236}">
+                <a16:creationId xmlns:a16="http://schemas.microsoft.com/office/drawing/2014/main" id="{8A57A329-5F7D-F8DA-06D2-4F3FCCCB7E31}"/>
+              </a:ext>
+            </a:extLst>
+          </p:cNvPr>
+          <p:cNvPicPr>
+            <a:picLocks noChangeAspect="1"/>
+          </p:cNvPicPr>
+          <p:nvPr/>
+        </p:nvPicPr>
+        <p:blipFill>
+          <a:blip r:embed="rId3"/>
+          <a:stretch>
+            <a:fillRect/>
+          </a:stretch>
+        </p:blipFill>
+        <p:spPr>
+          <a:xfrm>
+            <a:off x="5130531" y="561884"/>
+            <a:ext cx="1003542" cy="3476982"/>
+          </a:xfrm>
+          <a:prstGeom prst="rect">
+            <a:avLst/>
+          </a:prstGeom>
+        </p:spPr>
+      </p:pic>
+      <p:pic>
+        <p:nvPicPr>
+          <p:cNvPr id="9" name="Picture 8" descr="Diagram&#10;&#10;Description automatically generated">
+            <a:extLst>
+              <a:ext uri="{FF2B5EF4-FFF2-40B4-BE49-F238E27FC236}">
+                <a16:creationId xmlns:a16="http://schemas.microsoft.com/office/drawing/2014/main" id="{4712E2D4-880D-E63D-1F02-997691E054A2}"/>
+              </a:ext>
+            </a:extLst>
+          </p:cNvPr>
+          <p:cNvPicPr>
+            <a:picLocks noChangeAspect="1"/>
+          </p:cNvPicPr>
+          <p:nvPr/>
+        </p:nvPicPr>
+        <p:blipFill>
+          <a:blip r:embed="rId4"/>
+          <a:stretch>
+            <a:fillRect/>
+          </a:stretch>
+        </p:blipFill>
+        <p:spPr>
+          <a:xfrm>
+            <a:off x="2112176" y="438155"/>
+            <a:ext cx="906179" cy="3600711"/>
+          </a:xfrm>
+          <a:prstGeom prst="rect">
+            <a:avLst/>
+          </a:prstGeom>
+        </p:spPr>
+      </p:pic>
+      <p:sp>
+        <p:nvSpPr>
+          <p:cNvPr id="10" name="TextBox 9">
+            <a:extLst>
+              <a:ext uri="{FF2B5EF4-FFF2-40B4-BE49-F238E27FC236}">
+                <a16:creationId xmlns:a16="http://schemas.microsoft.com/office/drawing/2014/main" id="{74A2212D-86BA-AFBC-2C72-E74CE24F1560}"/>
+              </a:ext>
+            </a:extLst>
+          </p:cNvPr>
+          <p:cNvSpPr txBox="1"/>
+          <p:nvPr/>
+        </p:nvSpPr>
+        <p:spPr>
+          <a:xfrm>
+            <a:off x="983367" y="943583"/>
+            <a:ext cx="952838" cy="380373"/>
+          </a:xfrm>
+          <a:prstGeom prst="rect">
+            <a:avLst/>
+          </a:prstGeom>
+          <a:noFill/>
+        </p:spPr>
+        <p:txBody>
+          <a:bodyPr wrap="square" rtlCol="0">
+            <a:spAutoFit/>
+          </a:bodyPr>
+          <a:lstStyle/>
+          <a:p>
+            <a:r>
+              <a:rPr lang="en-US" dirty="0"/>
+              <a:t>VGG16</a:t>
+            </a:r>
+          </a:p>
+        </p:txBody>
+      </p:sp>
+      <p:sp>
+        <p:nvSpPr>
+          <p:cNvPr id="11" name="TextBox 10">
+            <a:extLst>
+              <a:ext uri="{FF2B5EF4-FFF2-40B4-BE49-F238E27FC236}">
+                <a16:creationId xmlns:a16="http://schemas.microsoft.com/office/drawing/2014/main" id="{A2F8FB7E-5989-6044-48C6-7B100FF142BE}"/>
+              </a:ext>
+            </a:extLst>
+          </p:cNvPr>
+          <p:cNvSpPr txBox="1"/>
+          <p:nvPr/>
+        </p:nvSpPr>
+        <p:spPr>
+          <a:xfrm>
+            <a:off x="3741146" y="954624"/>
+            <a:ext cx="1282479" cy="369332"/>
+          </a:xfrm>
+          <a:prstGeom prst="rect">
+            <a:avLst/>
+          </a:prstGeom>
+          <a:noFill/>
+        </p:spPr>
+        <p:txBody>
+          <a:bodyPr wrap="square" rtlCol="0">
+            <a:spAutoFit/>
+          </a:bodyPr>
+          <a:lstStyle/>
+          <a:p>
+            <a:r>
+              <a:rPr lang="en-US" dirty="0"/>
+              <a:t>ResNet50</a:t>
+            </a:r>
+          </a:p>
+        </p:txBody>
+      </p:sp>
+      <p:sp>
+        <p:nvSpPr>
+          <p:cNvPr id="12" name="TextBox 11">
+            <a:extLst>
+              <a:ext uri="{FF2B5EF4-FFF2-40B4-BE49-F238E27FC236}">
+                <a16:creationId xmlns:a16="http://schemas.microsoft.com/office/drawing/2014/main" id="{214C86F3-6515-39C5-F874-D4CF4345DB2C}"/>
+              </a:ext>
+            </a:extLst>
+          </p:cNvPr>
+          <p:cNvSpPr txBox="1"/>
+          <p:nvPr/>
+        </p:nvSpPr>
+        <p:spPr>
+          <a:xfrm>
+            <a:off x="7042826" y="954624"/>
+            <a:ext cx="1515364" cy="369332"/>
+          </a:xfrm>
+          <a:prstGeom prst="rect">
+            <a:avLst/>
+          </a:prstGeom>
+          <a:noFill/>
+        </p:spPr>
+        <p:txBody>
+          <a:bodyPr wrap="square" rtlCol="0">
+            <a:spAutoFit/>
+          </a:bodyPr>
+          <a:lstStyle/>
+          <a:p>
+            <a:r>
+              <a:rPr lang="en-US" dirty="0"/>
+              <a:t>DenseNet121</a:t>
+            </a:r>
+          </a:p>
+        </p:txBody>
+      </p:sp>
+    </p:spTree>
+    <p:extLst>
+      <p:ext uri="{BB962C8B-B14F-4D97-AF65-F5344CB8AC3E}">
+        <p14:creationId xmlns:p14="http://schemas.microsoft.com/office/powerpoint/2010/main" val="3431480116"/>
+      </p:ext>
+    </p:extLst>
+  </p:cSld>
+  <p:clrMapOvr>
+    <a:masterClrMapping/>
+  </p:clrMapOvr>
+</p:sld>
+</file>
+
+<file path=ppt/slides/slide15.xml><?xml version="1.0" encoding="utf-8"?>
+<p:sld xmlns:a="http://schemas.openxmlformats.org/drawingml/2006/main" xmlns:r="http://schemas.openxmlformats.org/officeDocument/2006/relationships" xmlns:p="http://schemas.openxmlformats.org/presentationml/2006/main">
+  <p:cSld>
+    <p:spTree>
+      <p:nvGrpSpPr>
+        <p:cNvPr id="1" name=""/>
+        <p:cNvGrpSpPr/>
+        <p:nvPr/>
+      </p:nvGrpSpPr>
+      <p:grpSpPr>
+        <a:xfrm>
+          <a:off x="0" y="0"/>
+          <a:ext cx="0" cy="0"/>
+          <a:chOff x="0" y="0"/>
+          <a:chExt cx="0" cy="0"/>
+        </a:xfrm>
+      </p:grpSpPr>
+      <p:sp>
+        <p:nvSpPr>
+          <p:cNvPr id="2" name="Title 1">
+            <a:extLst>
+              <a:ext uri="{FF2B5EF4-FFF2-40B4-BE49-F238E27FC236}">
+                <a16:creationId xmlns:a16="http://schemas.microsoft.com/office/drawing/2014/main" id="{4B70CF4C-890E-3D51-42CF-8369E8A5EE67}"/>
+              </a:ext>
+            </a:extLst>
+          </p:cNvPr>
+          <p:cNvSpPr>
+            <a:spLocks noGrp="1"/>
+          </p:cNvSpPr>
+          <p:nvPr>
+            <p:ph type="title"/>
+          </p:nvPr>
+        </p:nvSpPr>
+        <p:spPr/>
+        <p:txBody>
+          <a:bodyPr/>
+          <a:lstStyle/>
+          <a:p>
+            <a:r>
+              <a:rPr lang="en-US" cap="none" dirty="0"/>
+              <a:t>VGG16 + SVM</a:t>
+            </a:r>
+          </a:p>
+        </p:txBody>
+      </p:sp>
+      <p:sp>
+        <p:nvSpPr>
+          <p:cNvPr id="3" name="Content Placeholder 2">
+            <a:extLst>
+              <a:ext uri="{FF2B5EF4-FFF2-40B4-BE49-F238E27FC236}">
+                <a16:creationId xmlns:a16="http://schemas.microsoft.com/office/drawing/2014/main" id="{28BE097C-74B3-0070-A822-F078A856DC00}"/>
+              </a:ext>
+            </a:extLst>
+          </p:cNvPr>
+          <p:cNvSpPr>
+            <a:spLocks noGrp="1"/>
+          </p:cNvSpPr>
+          <p:nvPr>
+            <p:ph sz="half" idx="1"/>
+          </p:nvPr>
+        </p:nvSpPr>
+        <p:spPr>
+          <a:xfrm>
+            <a:off x="1630550" y="2468013"/>
+            <a:ext cx="4271771" cy="3101982"/>
+          </a:xfrm>
+        </p:spPr>
+        <p:txBody>
+          <a:bodyPr/>
+          <a:lstStyle/>
+          <a:p>
+            <a:r>
+              <a:rPr lang="en-US" dirty="0"/>
+              <a:t>Polynomial kernel of degree 3</a:t>
+            </a:r>
+          </a:p>
+          <a:p>
+            <a:r>
+              <a:rPr lang="en-US" dirty="0"/>
+              <a:t>Regularization parameter C=100</a:t>
+            </a:r>
+          </a:p>
+        </p:txBody>
+      </p:sp>
+      <p:pic>
+        <p:nvPicPr>
+          <p:cNvPr id="6" name="Picture 5" descr="Chart, treemap chart&#10;&#10;Description automatically generated">
+            <a:extLst>
+              <a:ext uri="{FF2B5EF4-FFF2-40B4-BE49-F238E27FC236}">
+                <a16:creationId xmlns:a16="http://schemas.microsoft.com/office/drawing/2014/main" id="{23A4A693-0229-191B-040C-C33783B0B5C2}"/>
+              </a:ext>
+            </a:extLst>
+          </p:cNvPr>
+          <p:cNvPicPr>
+            <a:picLocks noChangeAspect="1"/>
+          </p:cNvPicPr>
+          <p:nvPr/>
+        </p:nvPicPr>
+        <p:blipFill>
+          <a:blip r:embed="rId2"/>
+          <a:stretch>
+            <a:fillRect/>
+          </a:stretch>
+        </p:blipFill>
+        <p:spPr>
+          <a:xfrm>
+            <a:off x="5612654" y="2485417"/>
+            <a:ext cx="4244708" cy="3688400"/>
+          </a:xfrm>
+          <a:prstGeom prst="rect">
+            <a:avLst/>
+          </a:prstGeom>
+        </p:spPr>
+      </p:pic>
+      <p:graphicFrame>
+        <p:nvGraphicFramePr>
+          <p:cNvPr id="7" name="Table 7">
+            <a:extLst>
+              <a:ext uri="{FF2B5EF4-FFF2-40B4-BE49-F238E27FC236}">
+                <a16:creationId xmlns:a16="http://schemas.microsoft.com/office/drawing/2014/main" id="{22C54777-2605-1722-26C9-BEA5481FBC66}"/>
+              </a:ext>
+            </a:extLst>
+          </p:cNvPr>
+          <p:cNvGraphicFramePr>
+            <a:graphicFrameLocks noGrp="1"/>
+          </p:cNvGraphicFramePr>
+          <p:nvPr>
+            <p:extLst>
+              <p:ext uri="{D42A27DB-BD31-4B8C-83A1-F6EECF244321}">
+                <p14:modId xmlns:p14="http://schemas.microsoft.com/office/powerpoint/2010/main" val="2212531863"/>
+              </p:ext>
+            </p:extLst>
+          </p:nvPr>
+        </p:nvGraphicFramePr>
+        <p:xfrm>
+          <a:off x="2035453" y="3692233"/>
+          <a:ext cx="3172298" cy="2481584"/>
+        </p:xfrm>
+        <a:graphic>
+          <a:graphicData uri="http://schemas.openxmlformats.org/drawingml/2006/table">
+            <a:tbl>
+              <a:tblPr firstRow="1" bandRow="1">
+                <a:tableStyleId>{0E3FDE45-AF77-4B5C-9715-49D594BDF05E}</a:tableStyleId>
+              </a:tblPr>
+              <a:tblGrid>
+                <a:gridCol w="1586149">
+                  <a:extLst>
+                    <a:ext uri="{9D8B030D-6E8A-4147-A177-3AD203B41FA5}">
+                      <a16:colId xmlns:a16="http://schemas.microsoft.com/office/drawing/2014/main" val="2445968847"/>
+                    </a:ext>
+                  </a:extLst>
+                </a:gridCol>
+                <a:gridCol w="1586149">
+                  <a:extLst>
+                    <a:ext uri="{9D8B030D-6E8A-4147-A177-3AD203B41FA5}">
+                      <a16:colId xmlns:a16="http://schemas.microsoft.com/office/drawing/2014/main" val="4277809342"/>
+                    </a:ext>
+                  </a:extLst>
+                </a:gridCol>
+              </a:tblGrid>
+              <a:tr h="620396">
+                <a:tc>
+                  <a:txBody>
+                    <a:bodyPr/>
+                    <a:lstStyle/>
+                    <a:p>
+                      <a:r>
+                        <a:rPr lang="en-US" b="0" dirty="0"/>
+                        <a:t>Accuracy</a:t>
+                      </a:r>
+                    </a:p>
+                  </a:txBody>
+                  <a:tcPr/>
+                </a:tc>
+                <a:tc>
+                  <a:txBody>
+                    <a:bodyPr/>
+                    <a:lstStyle/>
+                    <a:p>
+                      <a:r>
+                        <a:rPr lang="en-US" b="0" dirty="0"/>
+                        <a:t>98.16%</a:t>
+                      </a:r>
+                    </a:p>
+                  </a:txBody>
+                  <a:tcPr/>
+                </a:tc>
+                <a:extLst>
+                  <a:ext uri="{0D108BD9-81ED-4DB2-BD59-A6C34878D82A}">
+                    <a16:rowId xmlns:a16="http://schemas.microsoft.com/office/drawing/2014/main" val="2308501156"/>
+                  </a:ext>
+                </a:extLst>
+              </a:tr>
+              <a:tr h="620396">
+                <a:tc>
+                  <a:txBody>
+                    <a:bodyPr/>
+                    <a:lstStyle/>
+                    <a:p>
+                      <a:r>
+                        <a:rPr lang="en-US" dirty="0"/>
+                        <a:t>Precision</a:t>
+                      </a:r>
+                    </a:p>
+                  </a:txBody>
+                  <a:tcPr/>
+                </a:tc>
+                <a:tc>
+                  <a:txBody>
+                    <a:bodyPr/>
+                    <a:lstStyle/>
+                    <a:p>
+                      <a:r>
+                        <a:rPr lang="en-US" dirty="0"/>
+                        <a:t>97.80%</a:t>
+                      </a:r>
+                    </a:p>
+                  </a:txBody>
+                  <a:tcPr/>
+                </a:tc>
+                <a:extLst>
+                  <a:ext uri="{0D108BD9-81ED-4DB2-BD59-A6C34878D82A}">
+                    <a16:rowId xmlns:a16="http://schemas.microsoft.com/office/drawing/2014/main" val="2197473580"/>
+                  </a:ext>
+                </a:extLst>
+              </a:tr>
+              <a:tr h="620396">
+                <a:tc>
+                  <a:txBody>
+                    <a:bodyPr/>
+                    <a:lstStyle/>
+                    <a:p>
+                      <a:r>
+                        <a:rPr lang="en-US" dirty="0"/>
+                        <a:t>Recall</a:t>
+                      </a:r>
+                    </a:p>
+                  </a:txBody>
+                  <a:tcPr/>
+                </a:tc>
+                <a:tc>
+                  <a:txBody>
+                    <a:bodyPr/>
+                    <a:lstStyle/>
+                    <a:p>
+                      <a:r>
+                        <a:rPr lang="en-US" dirty="0"/>
+                        <a:t>98.49%</a:t>
+                      </a:r>
+                    </a:p>
+                  </a:txBody>
+                  <a:tcPr/>
+                </a:tc>
+                <a:extLst>
+                  <a:ext uri="{0D108BD9-81ED-4DB2-BD59-A6C34878D82A}">
+                    <a16:rowId xmlns:a16="http://schemas.microsoft.com/office/drawing/2014/main" val="489411253"/>
+                  </a:ext>
+                </a:extLst>
+              </a:tr>
+              <a:tr h="620396">
+                <a:tc>
+                  <a:txBody>
+                    <a:bodyPr/>
+                    <a:lstStyle/>
+                    <a:p>
+                      <a:r>
+                        <a:rPr lang="en-US" dirty="0"/>
+                        <a:t>F1</a:t>
+                      </a:r>
+                    </a:p>
+                  </a:txBody>
+                  <a:tcPr/>
+                </a:tc>
+                <a:tc>
+                  <a:txBody>
+                    <a:bodyPr/>
+                    <a:lstStyle/>
+                    <a:p>
+                      <a:r>
+                        <a:rPr lang="en-US" dirty="0"/>
+                        <a:t>98.15%</a:t>
+                      </a:r>
+                    </a:p>
+                  </a:txBody>
+                  <a:tcPr/>
+                </a:tc>
+                <a:extLst>
+                  <a:ext uri="{0D108BD9-81ED-4DB2-BD59-A6C34878D82A}">
+                    <a16:rowId xmlns:a16="http://schemas.microsoft.com/office/drawing/2014/main" val="1084420365"/>
+                  </a:ext>
+                </a:extLst>
+              </a:tr>
+            </a:tbl>
+          </a:graphicData>
+        </a:graphic>
+      </p:graphicFrame>
+    </p:spTree>
+    <p:extLst>
+      <p:ext uri="{BB962C8B-B14F-4D97-AF65-F5344CB8AC3E}">
+        <p14:creationId xmlns:p14="http://schemas.microsoft.com/office/powerpoint/2010/main" val="2465100621"/>
+      </p:ext>
+    </p:extLst>
+  </p:cSld>
+  <p:clrMapOvr>
+    <a:masterClrMapping/>
+  </p:clrMapOvr>
+</p:sld>
+</file>
+
+<file path=ppt/slides/slide16.xml><?xml version="1.0" encoding="utf-8"?>
+<p:sld xmlns:a="http://schemas.openxmlformats.org/drawingml/2006/main" xmlns:r="http://schemas.openxmlformats.org/officeDocument/2006/relationships" xmlns:p="http://schemas.openxmlformats.org/presentationml/2006/main">
+  <p:cSld>
+    <p:spTree>
+      <p:nvGrpSpPr>
+        <p:cNvPr id="1" name=""/>
+        <p:cNvGrpSpPr/>
+        <p:nvPr/>
+      </p:nvGrpSpPr>
+      <p:grpSpPr>
+        <a:xfrm>
+          <a:off x="0" y="0"/>
+          <a:ext cx="0" cy="0"/>
+          <a:chOff x="0" y="0"/>
+          <a:chExt cx="0" cy="0"/>
+        </a:xfrm>
+      </p:grpSpPr>
+      <p:sp>
+        <p:nvSpPr>
+          <p:cNvPr id="2" name="Title 1">
+            <a:extLst>
+              <a:ext uri="{FF2B5EF4-FFF2-40B4-BE49-F238E27FC236}">
+                <a16:creationId xmlns:a16="http://schemas.microsoft.com/office/drawing/2014/main" id="{4B70CF4C-890E-3D51-42CF-8369E8A5EE67}"/>
+              </a:ext>
+            </a:extLst>
+          </p:cNvPr>
+          <p:cNvSpPr>
+            <a:spLocks noGrp="1"/>
+          </p:cNvSpPr>
+          <p:nvPr>
+            <p:ph type="title"/>
+          </p:nvPr>
+        </p:nvSpPr>
+        <p:spPr/>
+        <p:txBody>
+          <a:bodyPr/>
+          <a:lstStyle/>
+          <a:p>
+            <a:r>
+              <a:rPr lang="en-US" cap="none" dirty="0"/>
+              <a:t>ResNet50 + </a:t>
+            </a:r>
+            <a:r>
+              <a:rPr lang="en-US" cap="none" dirty="0" err="1"/>
+              <a:t>XGBoost</a:t>
+            </a:r>
+            <a:endParaRPr lang="en-US" cap="none" dirty="0"/>
+          </a:p>
+        </p:txBody>
+      </p:sp>
+      <p:sp>
+        <p:nvSpPr>
+          <p:cNvPr id="4" name="Content Placeholder 3">
+            <a:extLst>
+              <a:ext uri="{FF2B5EF4-FFF2-40B4-BE49-F238E27FC236}">
+                <a16:creationId xmlns:a16="http://schemas.microsoft.com/office/drawing/2014/main" id="{EC30CEE4-B089-6ECB-5EC1-852C0C1DED3C}"/>
+              </a:ext>
+            </a:extLst>
+          </p:cNvPr>
+          <p:cNvSpPr>
+            <a:spLocks noGrp="1"/>
+          </p:cNvSpPr>
+          <p:nvPr>
+            <p:ph sz="half" idx="2"/>
+          </p:nvPr>
+        </p:nvSpPr>
+        <p:spPr/>
+        <p:txBody>
+          <a:bodyPr/>
+          <a:lstStyle/>
+          <a:p>
+            <a:r>
+              <a:rPr lang="en-US" dirty="0"/>
+              <a:t>CM</a:t>
+            </a:r>
+          </a:p>
+        </p:txBody>
+      </p:sp>
+      <p:pic>
+        <p:nvPicPr>
+          <p:cNvPr id="6" name="Picture 5" descr="Chart, treemap chart&#10;&#10;Description automatically generated">
+            <a:extLst>
+              <a:ext uri="{FF2B5EF4-FFF2-40B4-BE49-F238E27FC236}">
+                <a16:creationId xmlns:a16="http://schemas.microsoft.com/office/drawing/2014/main" id="{5E481345-AC52-328C-7FD0-A1AA86018EA4}"/>
+              </a:ext>
+            </a:extLst>
+          </p:cNvPr>
+          <p:cNvPicPr>
+            <a:picLocks noChangeAspect="1"/>
+          </p:cNvPicPr>
+          <p:nvPr/>
+        </p:nvPicPr>
+        <p:blipFill>
+          <a:blip r:embed="rId2"/>
+          <a:stretch>
+            <a:fillRect/>
+          </a:stretch>
+        </p:blipFill>
+        <p:spPr>
+          <a:xfrm>
+            <a:off x="5552403" y="2487769"/>
+            <a:ext cx="4320914" cy="3711262"/>
+          </a:xfrm>
+          <a:prstGeom prst="rect">
+            <a:avLst/>
+          </a:prstGeom>
+        </p:spPr>
+      </p:pic>
+      <p:graphicFrame>
+        <p:nvGraphicFramePr>
+          <p:cNvPr id="7" name="Table 7">
+            <a:extLst>
+              <a:ext uri="{FF2B5EF4-FFF2-40B4-BE49-F238E27FC236}">
+                <a16:creationId xmlns:a16="http://schemas.microsoft.com/office/drawing/2014/main" id="{102A277D-C4BD-E13D-5C5D-5714382811AB}"/>
+              </a:ext>
+            </a:extLst>
+          </p:cNvPr>
+          <p:cNvGraphicFramePr>
+            <a:graphicFrameLocks noGrp="1"/>
+          </p:cNvGraphicFramePr>
+          <p:nvPr>
+            <p:extLst>
+              <p:ext uri="{D42A27DB-BD31-4B8C-83A1-F6EECF244321}">
+                <p14:modId xmlns:p14="http://schemas.microsoft.com/office/powerpoint/2010/main" val="4256769366"/>
+              </p:ext>
+            </p:extLst>
+          </p:nvPr>
+        </p:nvGraphicFramePr>
+        <p:xfrm>
+          <a:off x="1981009" y="2948243"/>
+          <a:ext cx="3172298" cy="2481584"/>
+        </p:xfrm>
+        <a:graphic>
+          <a:graphicData uri="http://schemas.openxmlformats.org/drawingml/2006/table">
+            <a:tbl>
+              <a:tblPr firstRow="1" bandRow="1">
+                <a:tableStyleId>{0E3FDE45-AF77-4B5C-9715-49D594BDF05E}</a:tableStyleId>
+              </a:tblPr>
+              <a:tblGrid>
+                <a:gridCol w="1586149">
+                  <a:extLst>
+                    <a:ext uri="{9D8B030D-6E8A-4147-A177-3AD203B41FA5}">
+                      <a16:colId xmlns:a16="http://schemas.microsoft.com/office/drawing/2014/main" val="2445968847"/>
+                    </a:ext>
+                  </a:extLst>
+                </a:gridCol>
+                <a:gridCol w="1586149">
+                  <a:extLst>
+                    <a:ext uri="{9D8B030D-6E8A-4147-A177-3AD203B41FA5}">
+                      <a16:colId xmlns:a16="http://schemas.microsoft.com/office/drawing/2014/main" val="4277809342"/>
+                    </a:ext>
+                  </a:extLst>
+                </a:gridCol>
+              </a:tblGrid>
+              <a:tr h="620396">
+                <a:tc>
+                  <a:txBody>
+                    <a:bodyPr/>
+                    <a:lstStyle/>
+                    <a:p>
+                      <a:r>
+                        <a:rPr lang="en-US" b="0" dirty="0"/>
+                        <a:t>Accuracy</a:t>
+                      </a:r>
+                    </a:p>
+                  </a:txBody>
+                  <a:tcPr/>
+                </a:tc>
+                <a:tc>
+                  <a:txBody>
+                    <a:bodyPr/>
+                    <a:lstStyle/>
+                    <a:p>
+                      <a:r>
+                        <a:rPr lang="en-US" b="0" dirty="0"/>
+                        <a:t>95%</a:t>
+                      </a:r>
+                    </a:p>
+                  </a:txBody>
+                  <a:tcPr/>
+                </a:tc>
+                <a:extLst>
+                  <a:ext uri="{0D108BD9-81ED-4DB2-BD59-A6C34878D82A}">
+                    <a16:rowId xmlns:a16="http://schemas.microsoft.com/office/drawing/2014/main" val="2308501156"/>
+                  </a:ext>
+                </a:extLst>
+              </a:tr>
+              <a:tr h="620396">
+                <a:tc>
+                  <a:txBody>
+                    <a:bodyPr/>
+                    <a:lstStyle/>
+                    <a:p>
+                      <a:r>
+                        <a:rPr lang="en-US" dirty="0"/>
+                        <a:t>Precision</a:t>
+                      </a:r>
+                    </a:p>
+                  </a:txBody>
+                  <a:tcPr/>
+                </a:tc>
+                <a:tc>
+                  <a:txBody>
+                    <a:bodyPr/>
+                    <a:lstStyle/>
+                    <a:p>
+                      <a:r>
+                        <a:rPr lang="en-US" dirty="0"/>
+                        <a:t>94.28%</a:t>
+                      </a:r>
+                    </a:p>
+                  </a:txBody>
+                  <a:tcPr/>
+                </a:tc>
+                <a:extLst>
+                  <a:ext uri="{0D108BD9-81ED-4DB2-BD59-A6C34878D82A}">
+                    <a16:rowId xmlns:a16="http://schemas.microsoft.com/office/drawing/2014/main" val="2197473580"/>
+                  </a:ext>
+                </a:extLst>
+              </a:tr>
+              <a:tr h="620396">
+                <a:tc>
+                  <a:txBody>
+                    <a:bodyPr/>
+                    <a:lstStyle/>
+                    <a:p>
+                      <a:r>
+                        <a:rPr lang="en-US" dirty="0"/>
+                        <a:t>Recall</a:t>
+                      </a:r>
+                    </a:p>
+                  </a:txBody>
+                  <a:tcPr/>
+                </a:tc>
+                <a:tc>
+                  <a:txBody>
+                    <a:bodyPr/>
+                    <a:lstStyle/>
+                    <a:p>
+                      <a:r>
+                        <a:rPr lang="en-US" dirty="0"/>
+                        <a:t>95.71%</a:t>
+                      </a:r>
+                    </a:p>
+                  </a:txBody>
+                  <a:tcPr/>
+                </a:tc>
+                <a:extLst>
+                  <a:ext uri="{0D108BD9-81ED-4DB2-BD59-A6C34878D82A}">
+                    <a16:rowId xmlns:a16="http://schemas.microsoft.com/office/drawing/2014/main" val="489411253"/>
+                  </a:ext>
+                </a:extLst>
+              </a:tr>
+              <a:tr h="620396">
+                <a:tc>
+                  <a:txBody>
+                    <a:bodyPr/>
+                    <a:lstStyle/>
+                    <a:p>
+                      <a:r>
+                        <a:rPr lang="en-US" dirty="0"/>
+                        <a:t>F1</a:t>
+                      </a:r>
+                    </a:p>
+                  </a:txBody>
+                  <a:tcPr/>
+                </a:tc>
+                <a:tc>
+                  <a:txBody>
+                    <a:bodyPr/>
+                    <a:lstStyle/>
+                    <a:p>
+                      <a:r>
+                        <a:rPr lang="en-US" dirty="0"/>
+                        <a:t>94.99%</a:t>
+                      </a:r>
+                    </a:p>
+                  </a:txBody>
+                  <a:tcPr/>
+                </a:tc>
+                <a:extLst>
+                  <a:ext uri="{0D108BD9-81ED-4DB2-BD59-A6C34878D82A}">
+                    <a16:rowId xmlns:a16="http://schemas.microsoft.com/office/drawing/2014/main" val="1084420365"/>
+                  </a:ext>
+                </a:extLst>
+              </a:tr>
+            </a:tbl>
+          </a:graphicData>
+        </a:graphic>
+      </p:graphicFrame>
+    </p:spTree>
+    <p:extLst>
+      <p:ext uri="{BB962C8B-B14F-4D97-AF65-F5344CB8AC3E}">
+        <p14:creationId xmlns:p14="http://schemas.microsoft.com/office/powerpoint/2010/main" val="1655481210"/>
+      </p:ext>
+    </p:extLst>
+  </p:cSld>
+  <p:clrMapOvr>
+    <a:masterClrMapping/>
+  </p:clrMapOvr>
+</p:sld>
+</file>
+
+<file path=ppt/slides/slide17.xml><?xml version="1.0" encoding="utf-8"?>
+<p:sld xmlns:a="http://schemas.openxmlformats.org/drawingml/2006/main" xmlns:r="http://schemas.openxmlformats.org/officeDocument/2006/relationships" xmlns:p="http://schemas.openxmlformats.org/presentationml/2006/main">
+  <p:cSld>
+    <p:spTree>
+      <p:nvGrpSpPr>
+        <p:cNvPr id="1" name=""/>
+        <p:cNvGrpSpPr/>
+        <p:nvPr/>
+      </p:nvGrpSpPr>
+      <p:grpSpPr>
+        <a:xfrm>
+          <a:off x="0" y="0"/>
+          <a:ext cx="0" cy="0"/>
+          <a:chOff x="0" y="0"/>
+          <a:chExt cx="0" cy="0"/>
+        </a:xfrm>
+      </p:grpSpPr>
+      <p:sp>
+        <p:nvSpPr>
+          <p:cNvPr id="2" name="Title 1">
+            <a:extLst>
+              <a:ext uri="{FF2B5EF4-FFF2-40B4-BE49-F238E27FC236}">
+                <a16:creationId xmlns:a16="http://schemas.microsoft.com/office/drawing/2014/main" id="{4B70CF4C-890E-3D51-42CF-8369E8A5EE67}"/>
+              </a:ext>
+            </a:extLst>
+          </p:cNvPr>
+          <p:cNvSpPr>
+            <a:spLocks noGrp="1"/>
+          </p:cNvSpPr>
+          <p:nvPr>
+            <p:ph type="title"/>
+          </p:nvPr>
+        </p:nvSpPr>
+        <p:spPr/>
+        <p:txBody>
+          <a:bodyPr/>
+          <a:lstStyle/>
+          <a:p>
+            <a:r>
+              <a:rPr lang="en-US" cap="none" dirty="0"/>
+              <a:t>DenseNet121 + SVM</a:t>
+            </a:r>
+          </a:p>
+        </p:txBody>
+      </p:sp>
+      <p:sp>
+        <p:nvSpPr>
+          <p:cNvPr id="3" name="Content Placeholder 2">
+            <a:extLst>
+              <a:ext uri="{FF2B5EF4-FFF2-40B4-BE49-F238E27FC236}">
+                <a16:creationId xmlns:a16="http://schemas.microsoft.com/office/drawing/2014/main" id="{28BE097C-74B3-0070-A822-F078A856DC00}"/>
+              </a:ext>
+            </a:extLst>
+          </p:cNvPr>
+          <p:cNvSpPr>
+            <a:spLocks noGrp="1"/>
+          </p:cNvSpPr>
+          <p:nvPr>
+            <p:ph sz="half" idx="1"/>
+          </p:nvPr>
+        </p:nvSpPr>
+        <p:spPr>
+          <a:xfrm>
+            <a:off x="1581912" y="2531040"/>
+            <a:ext cx="4271771" cy="3101982"/>
+          </a:xfrm>
+        </p:spPr>
+        <p:txBody>
+          <a:bodyPr/>
+          <a:lstStyle/>
+          <a:p>
+            <a:r>
+              <a:rPr lang="en-US" dirty="0"/>
+              <a:t>Polynomial kernel of degree 3</a:t>
+            </a:r>
+          </a:p>
+          <a:p>
+            <a:r>
+              <a:rPr lang="en-US" dirty="0"/>
+              <a:t>Regularization parameter C=100</a:t>
+            </a:r>
+          </a:p>
+          <a:p>
+            <a:endParaRPr lang="en-US" dirty="0"/>
+          </a:p>
+        </p:txBody>
+      </p:sp>
+      <p:pic>
+        <p:nvPicPr>
+          <p:cNvPr id="8" name="Content Placeholder 7" descr="Chart, treemap chart&#10;&#10;Description automatically generated">
+            <a:extLst>
+              <a:ext uri="{FF2B5EF4-FFF2-40B4-BE49-F238E27FC236}">
+                <a16:creationId xmlns:a16="http://schemas.microsoft.com/office/drawing/2014/main" id="{77F132D0-BAB2-0379-FF4B-19D120061E4F}"/>
+              </a:ext>
+            </a:extLst>
+          </p:cNvPr>
+          <p:cNvPicPr>
+            <a:picLocks noGrp="1" noChangeAspect="1"/>
+          </p:cNvPicPr>
+          <p:nvPr>
+            <p:ph sz="half" idx="2"/>
+          </p:nvPr>
+        </p:nvPicPr>
+        <p:blipFill>
+          <a:blip r:embed="rId2"/>
+          <a:stretch>
+            <a:fillRect/>
+          </a:stretch>
+        </p:blipFill>
+        <p:spPr>
+          <a:xfrm>
+            <a:off x="5620220" y="2531040"/>
+            <a:ext cx="4153843" cy="3628041"/>
+          </a:xfrm>
+        </p:spPr>
+      </p:pic>
+      <p:graphicFrame>
+        <p:nvGraphicFramePr>
+          <p:cNvPr id="11" name="Table 7">
+            <a:extLst>
+              <a:ext uri="{FF2B5EF4-FFF2-40B4-BE49-F238E27FC236}">
+                <a16:creationId xmlns:a16="http://schemas.microsoft.com/office/drawing/2014/main" id="{D7392434-F2A9-D6D2-94A4-3B0F3817F25D}"/>
+              </a:ext>
+            </a:extLst>
+          </p:cNvPr>
+          <p:cNvGraphicFramePr>
+            <a:graphicFrameLocks noGrp="1"/>
+          </p:cNvGraphicFramePr>
+          <p:nvPr>
+            <p:extLst>
+              <p:ext uri="{D42A27DB-BD31-4B8C-83A1-F6EECF244321}">
+                <p14:modId xmlns:p14="http://schemas.microsoft.com/office/powerpoint/2010/main" val="718558827"/>
+              </p:ext>
+            </p:extLst>
+          </p:nvPr>
+        </p:nvGraphicFramePr>
+        <p:xfrm>
+          <a:off x="1907913" y="3677497"/>
+          <a:ext cx="3172298" cy="2481584"/>
+        </p:xfrm>
+        <a:graphic>
+          <a:graphicData uri="http://schemas.openxmlformats.org/drawingml/2006/table">
+            <a:tbl>
+              <a:tblPr firstRow="1" bandRow="1">
+                <a:tableStyleId>{0E3FDE45-AF77-4B5C-9715-49D594BDF05E}</a:tableStyleId>
+              </a:tblPr>
+              <a:tblGrid>
+                <a:gridCol w="1586149">
+                  <a:extLst>
+                    <a:ext uri="{9D8B030D-6E8A-4147-A177-3AD203B41FA5}">
+                      <a16:colId xmlns:a16="http://schemas.microsoft.com/office/drawing/2014/main" val="2445968847"/>
+                    </a:ext>
+                  </a:extLst>
+                </a:gridCol>
+                <a:gridCol w="1586149">
+                  <a:extLst>
+                    <a:ext uri="{9D8B030D-6E8A-4147-A177-3AD203B41FA5}">
+                      <a16:colId xmlns:a16="http://schemas.microsoft.com/office/drawing/2014/main" val="4277809342"/>
+                    </a:ext>
+                  </a:extLst>
+                </a:gridCol>
+              </a:tblGrid>
+              <a:tr h="620396">
+                <a:tc>
+                  <a:txBody>
+                    <a:bodyPr/>
+                    <a:lstStyle/>
+                    <a:p>
+                      <a:r>
+                        <a:rPr lang="en-US" b="0" dirty="0"/>
+                        <a:t>Accuracy</a:t>
+                      </a:r>
+                    </a:p>
+                  </a:txBody>
+                  <a:tcPr/>
+                </a:tc>
+                <a:tc>
+                  <a:txBody>
+                    <a:bodyPr/>
+                    <a:lstStyle/>
+                    <a:p>
+                      <a:r>
+                        <a:rPr lang="en-US" b="0" dirty="0"/>
+                        <a:t>96.88%</a:t>
+                      </a:r>
+                    </a:p>
+                  </a:txBody>
+                  <a:tcPr/>
+                </a:tc>
+                <a:extLst>
+                  <a:ext uri="{0D108BD9-81ED-4DB2-BD59-A6C34878D82A}">
+                    <a16:rowId xmlns:a16="http://schemas.microsoft.com/office/drawing/2014/main" val="2308501156"/>
+                  </a:ext>
+                </a:extLst>
+              </a:tr>
+              <a:tr h="620396">
+                <a:tc>
+                  <a:txBody>
+                    <a:bodyPr/>
+                    <a:lstStyle/>
+                    <a:p>
+                      <a:r>
+                        <a:rPr lang="en-US" dirty="0"/>
+                        <a:t>Precision</a:t>
+                      </a:r>
+                    </a:p>
+                  </a:txBody>
+                  <a:tcPr/>
+                </a:tc>
+                <a:tc>
+                  <a:txBody>
+                    <a:bodyPr/>
+                    <a:lstStyle/>
+                    <a:p>
+                      <a:r>
+                        <a:rPr lang="en-US" dirty="0"/>
+                        <a:t>97.00%</a:t>
+                      </a:r>
+                    </a:p>
+                  </a:txBody>
+                  <a:tcPr/>
+                </a:tc>
+                <a:extLst>
+                  <a:ext uri="{0D108BD9-81ED-4DB2-BD59-A6C34878D82A}">
+                    <a16:rowId xmlns:a16="http://schemas.microsoft.com/office/drawing/2014/main" val="2197473580"/>
+                  </a:ext>
+                </a:extLst>
+              </a:tr>
+              <a:tr h="620396">
+                <a:tc>
+                  <a:txBody>
+                    <a:bodyPr/>
+                    <a:lstStyle/>
+                    <a:p>
+                      <a:r>
+                        <a:rPr lang="en-US" dirty="0"/>
+                        <a:t>Recall</a:t>
+                      </a:r>
+                    </a:p>
+                  </a:txBody>
+                  <a:tcPr/>
+                </a:tc>
+                <a:tc>
+                  <a:txBody>
+                    <a:bodyPr/>
+                    <a:lstStyle/>
+                    <a:p>
+                      <a:r>
+                        <a:rPr lang="en-US" dirty="0"/>
+                        <a:t>96.81%</a:t>
+                      </a:r>
+                    </a:p>
+                  </a:txBody>
+                  <a:tcPr/>
+                </a:tc>
+                <a:extLst>
+                  <a:ext uri="{0D108BD9-81ED-4DB2-BD59-A6C34878D82A}">
+                    <a16:rowId xmlns:a16="http://schemas.microsoft.com/office/drawing/2014/main" val="489411253"/>
+                  </a:ext>
+                </a:extLst>
+              </a:tr>
+              <a:tr h="620396">
+                <a:tc>
+                  <a:txBody>
+                    <a:bodyPr/>
+                    <a:lstStyle/>
+                    <a:p>
+                      <a:r>
+                        <a:rPr lang="en-US" dirty="0"/>
+                        <a:t>F1</a:t>
+                      </a:r>
+                    </a:p>
+                  </a:txBody>
+                  <a:tcPr/>
+                </a:tc>
+                <a:tc>
+                  <a:txBody>
+                    <a:bodyPr/>
+                    <a:lstStyle/>
+                    <a:p>
+                      <a:r>
+                        <a:rPr lang="en-US" dirty="0"/>
+                        <a:t>96.90%</a:t>
+                      </a:r>
+                    </a:p>
+                  </a:txBody>
+                  <a:tcPr/>
+                </a:tc>
+                <a:extLst>
+                  <a:ext uri="{0D108BD9-81ED-4DB2-BD59-A6C34878D82A}">
+                    <a16:rowId xmlns:a16="http://schemas.microsoft.com/office/drawing/2014/main" val="1084420365"/>
+                  </a:ext>
+                </a:extLst>
+              </a:tr>
+            </a:tbl>
+          </a:graphicData>
+        </a:graphic>
+      </p:graphicFrame>
+    </p:spTree>
+    <p:extLst>
+      <p:ext uri="{BB962C8B-B14F-4D97-AF65-F5344CB8AC3E}">
+        <p14:creationId xmlns:p14="http://schemas.microsoft.com/office/powerpoint/2010/main" val="3217326032"/>
+      </p:ext>
+    </p:extLst>
+  </p:cSld>
+  <p:clrMapOvr>
+    <a:masterClrMapping/>
+  </p:clrMapOvr>
+</p:sld>
+</file>
+
+<file path=ppt/slides/slide18.xml><?xml version="1.0" encoding="utf-8"?>
+<p:sld xmlns:a="http://schemas.openxmlformats.org/drawingml/2006/main" xmlns:r="http://schemas.openxmlformats.org/officeDocument/2006/relationships" xmlns:p="http://schemas.openxmlformats.org/presentationml/2006/main">
+  <p:cSld>
     <p:spTree>
       <p:nvGrpSpPr>
         <p:cNvPr id="1" name=""/>
@@ -5060,7 +6401,7 @@
         </p:nvGrpSpPr>
         <p:grpSpPr>
           <a:xfrm>
-            <a:off x="0" y="1175657"/>
+            <a:off x="576943" y="2648929"/>
             <a:ext cx="11038114" cy="3019514"/>
             <a:chOff x="0" y="1175657"/>
             <a:chExt cx="10996803" cy="3019514"/>
@@ -5729,1266 +7070,38 @@
           </p:txBody>
         </p:sp>
       </p:grpSp>
+      <p:sp>
+        <p:nvSpPr>
+          <p:cNvPr id="2" name="Title 1">
+            <a:extLst>
+              <a:ext uri="{FF2B5EF4-FFF2-40B4-BE49-F238E27FC236}">
+                <a16:creationId xmlns:a16="http://schemas.microsoft.com/office/drawing/2014/main" id="{44CD07F6-3E24-1A80-AC89-5EDCA9ED918C}"/>
+              </a:ext>
+            </a:extLst>
+          </p:cNvPr>
+          <p:cNvSpPr>
+            <a:spLocks noGrp="1"/>
+          </p:cNvSpPr>
+          <p:nvPr>
+            <p:ph type="title"/>
+          </p:nvPr>
+        </p:nvSpPr>
+        <p:spPr/>
+        <p:txBody>
+          <a:bodyPr/>
+          <a:lstStyle/>
+          <a:p>
+            <a:r>
+              <a:rPr lang="en-US" dirty="0"/>
+              <a:t>Comparison</a:t>
+            </a:r>
+          </a:p>
+        </p:txBody>
+      </p:sp>
     </p:spTree>
     <p:extLst>
       <p:ext uri="{BB962C8B-B14F-4D97-AF65-F5344CB8AC3E}">
         <p14:creationId xmlns:p14="http://schemas.microsoft.com/office/powerpoint/2010/main" val="3878510068"/>
-      </p:ext>
-    </p:extLst>
-  </p:cSld>
-  <p:clrMapOvr>
-    <a:masterClrMapping/>
-  </p:clrMapOvr>
-</p:sld>
-</file>
-
-<file path=ppt/slides/slide15.xml><?xml version="1.0" encoding="utf-8"?>
-<p:sld xmlns:a="http://schemas.openxmlformats.org/drawingml/2006/main" xmlns:r="http://schemas.openxmlformats.org/officeDocument/2006/relationships" xmlns:p="http://schemas.openxmlformats.org/presentationml/2006/main">
-  <p:cSld>
-    <p:bg>
-      <p:bgPr>
-        <a:solidFill>
-          <a:schemeClr val="accent2"/>
-        </a:solidFill>
-        <a:effectLst/>
-      </p:bgPr>
-    </p:bg>
-    <p:spTree>
-      <p:nvGrpSpPr>
-        <p:cNvPr id="1" name=""/>
-        <p:cNvGrpSpPr/>
-        <p:nvPr/>
-      </p:nvGrpSpPr>
-      <p:grpSpPr>
-        <a:xfrm>
-          <a:off x="0" y="0"/>
-          <a:ext cx="0" cy="0"/>
-          <a:chOff x="0" y="0"/>
-          <a:chExt cx="0" cy="0"/>
-        </a:xfrm>
-      </p:grpSpPr>
-      <p:sp>
-        <p:nvSpPr>
-          <p:cNvPr id="18" name="Rectangle 13">
-            <a:extLst>
-              <a:ext uri="{FF2B5EF4-FFF2-40B4-BE49-F238E27FC236}">
-                <a16:creationId xmlns:a16="http://schemas.microsoft.com/office/drawing/2014/main" id="{4E3759DD-698F-4D3A-AF4C-5E44527D3070}"/>
-              </a:ext>
-              <a:ext uri="{C183D7F6-B498-43B3-948B-1728B52AA6E4}">
-                <adec:decorative xmlns:adec="http://schemas.microsoft.com/office/drawing/2017/decorative" val="1"/>
-              </a:ext>
-            </a:extLst>
-          </p:cNvPr>
-          <p:cNvSpPr>
-            <a:spLocks noGrp="1" noRot="1" noChangeAspect="1" noMove="1" noResize="1" noEditPoints="1" noAdjustHandles="1" noChangeArrowheads="1" noChangeShapeType="1" noTextEdit="1"/>
-          </p:cNvSpPr>
-          <p:nvPr>
-            <p:extLst>
-              <p:ext uri="{386F3935-93C4-4BCD-93E2-E3B085C9AB24}">
-                <p16:designElem xmlns:p16="http://schemas.microsoft.com/office/powerpoint/2015/main" val="1"/>
-              </p:ext>
-            </p:extLst>
-          </p:nvPr>
-        </p:nvSpPr>
-        <p:spPr>
-          <a:xfrm>
-            <a:off x="0" y="-2"/>
-            <a:ext cx="12192000" cy="4918511"/>
-          </a:xfrm>
-          <a:prstGeom prst="rect">
-            <a:avLst/>
-          </a:prstGeom>
-          <a:solidFill>
-            <a:srgbClr val="FFFFFF"/>
-          </a:solidFill>
-          <a:ln>
-            <a:noFill/>
-          </a:ln>
-        </p:spPr>
-        <p:style>
-          <a:lnRef idx="2">
-            <a:schemeClr val="accent1">
-              <a:shade val="50000"/>
-            </a:schemeClr>
-          </a:lnRef>
-          <a:fillRef idx="1">
-            <a:schemeClr val="accent1"/>
-          </a:fillRef>
-          <a:effectRef idx="0">
-            <a:schemeClr val="accent1"/>
-          </a:effectRef>
-          <a:fontRef idx="minor">
-            <a:schemeClr val="lt1"/>
-          </a:fontRef>
-        </p:style>
-        <p:txBody>
-          <a:bodyPr rtlCol="0" anchor="ctr"/>
-          <a:lstStyle/>
-          <a:p>
-            <a:pPr algn="ctr"/>
-            <a:endParaRPr lang="en-US"/>
-          </a:p>
-        </p:txBody>
-      </p:sp>
-      <p:sp>
-        <p:nvSpPr>
-          <p:cNvPr id="2" name="Title 1">
-            <a:extLst>
-              <a:ext uri="{FF2B5EF4-FFF2-40B4-BE49-F238E27FC236}">
-                <a16:creationId xmlns:a16="http://schemas.microsoft.com/office/drawing/2014/main" id="{ABC629E6-674F-99AD-A666-F7F6C27AA2A0}"/>
-              </a:ext>
-            </a:extLst>
-          </p:cNvPr>
-          <p:cNvSpPr>
-            <a:spLocks noGrp="1"/>
-          </p:cNvSpPr>
-          <p:nvPr>
-            <p:ph type="title"/>
-          </p:nvPr>
-        </p:nvSpPr>
-        <p:spPr>
-          <a:xfrm>
-            <a:off x="1600200" y="4269282"/>
-            <a:ext cx="8991600" cy="1264762"/>
-          </a:xfrm>
-        </p:spPr>
-        <p:txBody>
-          <a:bodyPr vert="horz" lIns="274320" tIns="182880" rIns="274320" bIns="182880" rtlCol="0" anchor="ctr" anchorCtr="1">
-            <a:normAutofit/>
-          </a:bodyPr>
-          <a:lstStyle/>
-          <a:p>
-            <a:r>
-              <a:rPr lang="en-US" sz="3200"/>
-              <a:t>Architectures</a:t>
-            </a:r>
-          </a:p>
-        </p:txBody>
-      </p:sp>
-      <p:pic>
-        <p:nvPicPr>
-          <p:cNvPr id="5" name="Content Placeholder 4" descr="Diagram&#10;&#10;Description automatically generated">
-            <a:extLst>
-              <a:ext uri="{FF2B5EF4-FFF2-40B4-BE49-F238E27FC236}">
-                <a16:creationId xmlns:a16="http://schemas.microsoft.com/office/drawing/2014/main" id="{5ADE7B58-A5E4-5875-CE31-2FBDCEBFFDE6}"/>
-              </a:ext>
-            </a:extLst>
-          </p:cNvPr>
-          <p:cNvPicPr>
-            <a:picLocks noGrp="1" noChangeAspect="1"/>
-          </p:cNvPicPr>
-          <p:nvPr>
-            <p:ph idx="1"/>
-          </p:nvPr>
-        </p:nvPicPr>
-        <p:blipFill>
-          <a:blip r:embed="rId2"/>
-          <a:stretch>
-            <a:fillRect/>
-          </a:stretch>
-        </p:blipFill>
-        <p:spPr>
-          <a:xfrm>
-            <a:off x="8790628" y="659735"/>
-            <a:ext cx="1003542" cy="3301307"/>
-          </a:xfrm>
-          <a:prstGeom prst="rect">
-            <a:avLst/>
-          </a:prstGeom>
-        </p:spPr>
-      </p:pic>
-      <p:pic>
-        <p:nvPicPr>
-          <p:cNvPr id="7" name="Picture 6" descr="Diagram&#10;&#10;Description automatically generated">
-            <a:extLst>
-              <a:ext uri="{FF2B5EF4-FFF2-40B4-BE49-F238E27FC236}">
-                <a16:creationId xmlns:a16="http://schemas.microsoft.com/office/drawing/2014/main" id="{8A57A329-5F7D-F8DA-06D2-4F3FCCCB7E31}"/>
-              </a:ext>
-            </a:extLst>
-          </p:cNvPr>
-          <p:cNvPicPr>
-            <a:picLocks noChangeAspect="1"/>
-          </p:cNvPicPr>
-          <p:nvPr/>
-        </p:nvPicPr>
-        <p:blipFill>
-          <a:blip r:embed="rId3"/>
-          <a:stretch>
-            <a:fillRect/>
-          </a:stretch>
-        </p:blipFill>
-        <p:spPr>
-          <a:xfrm>
-            <a:off x="5130531" y="561884"/>
-            <a:ext cx="1003542" cy="3476982"/>
-          </a:xfrm>
-          <a:prstGeom prst="rect">
-            <a:avLst/>
-          </a:prstGeom>
-        </p:spPr>
-      </p:pic>
-      <p:pic>
-        <p:nvPicPr>
-          <p:cNvPr id="9" name="Picture 8" descr="Diagram&#10;&#10;Description automatically generated">
-            <a:extLst>
-              <a:ext uri="{FF2B5EF4-FFF2-40B4-BE49-F238E27FC236}">
-                <a16:creationId xmlns:a16="http://schemas.microsoft.com/office/drawing/2014/main" id="{4712E2D4-880D-E63D-1F02-997691E054A2}"/>
-              </a:ext>
-            </a:extLst>
-          </p:cNvPr>
-          <p:cNvPicPr>
-            <a:picLocks noChangeAspect="1"/>
-          </p:cNvPicPr>
-          <p:nvPr/>
-        </p:nvPicPr>
-        <p:blipFill>
-          <a:blip r:embed="rId4"/>
-          <a:stretch>
-            <a:fillRect/>
-          </a:stretch>
-        </p:blipFill>
-        <p:spPr>
-          <a:xfrm>
-            <a:off x="2112176" y="438155"/>
-            <a:ext cx="906179" cy="3600711"/>
-          </a:xfrm>
-          <a:prstGeom prst="rect">
-            <a:avLst/>
-          </a:prstGeom>
-        </p:spPr>
-      </p:pic>
-      <p:sp>
-        <p:nvSpPr>
-          <p:cNvPr id="10" name="TextBox 9">
-            <a:extLst>
-              <a:ext uri="{FF2B5EF4-FFF2-40B4-BE49-F238E27FC236}">
-                <a16:creationId xmlns:a16="http://schemas.microsoft.com/office/drawing/2014/main" id="{74A2212D-86BA-AFBC-2C72-E74CE24F1560}"/>
-              </a:ext>
-            </a:extLst>
-          </p:cNvPr>
-          <p:cNvSpPr txBox="1"/>
-          <p:nvPr/>
-        </p:nvSpPr>
-        <p:spPr>
-          <a:xfrm>
-            <a:off x="983367" y="943583"/>
-            <a:ext cx="952838" cy="380373"/>
-          </a:xfrm>
-          <a:prstGeom prst="rect">
-            <a:avLst/>
-          </a:prstGeom>
-          <a:noFill/>
-        </p:spPr>
-        <p:txBody>
-          <a:bodyPr wrap="square" rtlCol="0">
-            <a:spAutoFit/>
-          </a:bodyPr>
-          <a:lstStyle/>
-          <a:p>
-            <a:r>
-              <a:rPr lang="en-US" dirty="0"/>
-              <a:t>VGG16</a:t>
-            </a:r>
-          </a:p>
-        </p:txBody>
-      </p:sp>
-      <p:sp>
-        <p:nvSpPr>
-          <p:cNvPr id="11" name="TextBox 10">
-            <a:extLst>
-              <a:ext uri="{FF2B5EF4-FFF2-40B4-BE49-F238E27FC236}">
-                <a16:creationId xmlns:a16="http://schemas.microsoft.com/office/drawing/2014/main" id="{A2F8FB7E-5989-6044-48C6-7B100FF142BE}"/>
-              </a:ext>
-            </a:extLst>
-          </p:cNvPr>
-          <p:cNvSpPr txBox="1"/>
-          <p:nvPr/>
-        </p:nvSpPr>
-        <p:spPr>
-          <a:xfrm>
-            <a:off x="3741146" y="954624"/>
-            <a:ext cx="1282479" cy="369332"/>
-          </a:xfrm>
-          <a:prstGeom prst="rect">
-            <a:avLst/>
-          </a:prstGeom>
-          <a:noFill/>
-        </p:spPr>
-        <p:txBody>
-          <a:bodyPr wrap="square" rtlCol="0">
-            <a:spAutoFit/>
-          </a:bodyPr>
-          <a:lstStyle/>
-          <a:p>
-            <a:r>
-              <a:rPr lang="en-US" dirty="0"/>
-              <a:t>ResNet50</a:t>
-            </a:r>
-          </a:p>
-        </p:txBody>
-      </p:sp>
-      <p:sp>
-        <p:nvSpPr>
-          <p:cNvPr id="12" name="TextBox 11">
-            <a:extLst>
-              <a:ext uri="{FF2B5EF4-FFF2-40B4-BE49-F238E27FC236}">
-                <a16:creationId xmlns:a16="http://schemas.microsoft.com/office/drawing/2014/main" id="{214C86F3-6515-39C5-F874-D4CF4345DB2C}"/>
-              </a:ext>
-            </a:extLst>
-          </p:cNvPr>
-          <p:cNvSpPr txBox="1"/>
-          <p:nvPr/>
-        </p:nvSpPr>
-        <p:spPr>
-          <a:xfrm>
-            <a:off x="7042826" y="954624"/>
-            <a:ext cx="1515364" cy="369332"/>
-          </a:xfrm>
-          <a:prstGeom prst="rect">
-            <a:avLst/>
-          </a:prstGeom>
-          <a:noFill/>
-        </p:spPr>
-        <p:txBody>
-          <a:bodyPr wrap="square" rtlCol="0">
-            <a:spAutoFit/>
-          </a:bodyPr>
-          <a:lstStyle/>
-          <a:p>
-            <a:r>
-              <a:rPr lang="en-US" dirty="0"/>
-              <a:t>DenseNet121</a:t>
-            </a:r>
-          </a:p>
-        </p:txBody>
-      </p:sp>
-    </p:spTree>
-    <p:extLst>
-      <p:ext uri="{BB962C8B-B14F-4D97-AF65-F5344CB8AC3E}">
-        <p14:creationId xmlns:p14="http://schemas.microsoft.com/office/powerpoint/2010/main" val="3431480116"/>
-      </p:ext>
-    </p:extLst>
-  </p:cSld>
-  <p:clrMapOvr>
-    <a:masterClrMapping/>
-  </p:clrMapOvr>
-</p:sld>
-</file>
-
-<file path=ppt/slides/slide16.xml><?xml version="1.0" encoding="utf-8"?>
-<p:sld xmlns:a="http://schemas.openxmlformats.org/drawingml/2006/main" xmlns:r="http://schemas.openxmlformats.org/officeDocument/2006/relationships" xmlns:p="http://schemas.openxmlformats.org/presentationml/2006/main">
-  <p:cSld>
-    <p:spTree>
-      <p:nvGrpSpPr>
-        <p:cNvPr id="1" name=""/>
-        <p:cNvGrpSpPr/>
-        <p:nvPr/>
-      </p:nvGrpSpPr>
-      <p:grpSpPr>
-        <a:xfrm>
-          <a:off x="0" y="0"/>
-          <a:ext cx="0" cy="0"/>
-          <a:chOff x="0" y="0"/>
-          <a:chExt cx="0" cy="0"/>
-        </a:xfrm>
-      </p:grpSpPr>
-      <p:sp>
-        <p:nvSpPr>
-          <p:cNvPr id="2" name="Title 1">
-            <a:extLst>
-              <a:ext uri="{FF2B5EF4-FFF2-40B4-BE49-F238E27FC236}">
-                <a16:creationId xmlns:a16="http://schemas.microsoft.com/office/drawing/2014/main" id="{4B70CF4C-890E-3D51-42CF-8369E8A5EE67}"/>
-              </a:ext>
-            </a:extLst>
-          </p:cNvPr>
-          <p:cNvSpPr>
-            <a:spLocks noGrp="1"/>
-          </p:cNvSpPr>
-          <p:nvPr>
-            <p:ph type="title"/>
-          </p:nvPr>
-        </p:nvSpPr>
-        <p:spPr/>
-        <p:txBody>
-          <a:bodyPr/>
-          <a:lstStyle/>
-          <a:p>
-            <a:r>
-              <a:rPr lang="en-US" cap="none" dirty="0"/>
-              <a:t>VGG16 + SVM</a:t>
-            </a:r>
-          </a:p>
-        </p:txBody>
-      </p:sp>
-      <p:sp>
-        <p:nvSpPr>
-          <p:cNvPr id="3" name="Content Placeholder 2">
-            <a:extLst>
-              <a:ext uri="{FF2B5EF4-FFF2-40B4-BE49-F238E27FC236}">
-                <a16:creationId xmlns:a16="http://schemas.microsoft.com/office/drawing/2014/main" id="{28BE097C-74B3-0070-A822-F078A856DC00}"/>
-              </a:ext>
-            </a:extLst>
-          </p:cNvPr>
-          <p:cNvSpPr>
-            <a:spLocks noGrp="1"/>
-          </p:cNvSpPr>
-          <p:nvPr>
-            <p:ph sz="half" idx="1"/>
-          </p:nvPr>
-        </p:nvSpPr>
-        <p:spPr>
-          <a:xfrm>
-            <a:off x="1630550" y="2468013"/>
-            <a:ext cx="4271771" cy="3101982"/>
-          </a:xfrm>
-        </p:spPr>
-        <p:txBody>
-          <a:bodyPr/>
-          <a:lstStyle/>
-          <a:p>
-            <a:r>
-              <a:rPr lang="en-US" dirty="0"/>
-              <a:t>Polynomial kernel of degree 3</a:t>
-            </a:r>
-          </a:p>
-          <a:p>
-            <a:r>
-              <a:rPr lang="en-US" dirty="0"/>
-              <a:t>Regularization parameter C=100</a:t>
-            </a:r>
-          </a:p>
-        </p:txBody>
-      </p:sp>
-      <p:pic>
-        <p:nvPicPr>
-          <p:cNvPr id="6" name="Picture 5" descr="Chart, treemap chart&#10;&#10;Description automatically generated">
-            <a:extLst>
-              <a:ext uri="{FF2B5EF4-FFF2-40B4-BE49-F238E27FC236}">
-                <a16:creationId xmlns:a16="http://schemas.microsoft.com/office/drawing/2014/main" id="{23A4A693-0229-191B-040C-C33783B0B5C2}"/>
-              </a:ext>
-            </a:extLst>
-          </p:cNvPr>
-          <p:cNvPicPr>
-            <a:picLocks noChangeAspect="1"/>
-          </p:cNvPicPr>
-          <p:nvPr/>
-        </p:nvPicPr>
-        <p:blipFill>
-          <a:blip r:embed="rId2"/>
-          <a:stretch>
-            <a:fillRect/>
-          </a:stretch>
-        </p:blipFill>
-        <p:spPr>
-          <a:xfrm>
-            <a:off x="5612654" y="2485417"/>
-            <a:ext cx="4244708" cy="3688400"/>
-          </a:xfrm>
-          <a:prstGeom prst="rect">
-            <a:avLst/>
-          </a:prstGeom>
-        </p:spPr>
-      </p:pic>
-      <p:graphicFrame>
-        <p:nvGraphicFramePr>
-          <p:cNvPr id="7" name="Table 7">
-            <a:extLst>
-              <a:ext uri="{FF2B5EF4-FFF2-40B4-BE49-F238E27FC236}">
-                <a16:creationId xmlns:a16="http://schemas.microsoft.com/office/drawing/2014/main" id="{22C54777-2605-1722-26C9-BEA5481FBC66}"/>
-              </a:ext>
-            </a:extLst>
-          </p:cNvPr>
-          <p:cNvGraphicFramePr>
-            <a:graphicFrameLocks noGrp="1"/>
-          </p:cNvGraphicFramePr>
-          <p:nvPr>
-            <p:extLst>
-              <p:ext uri="{D42A27DB-BD31-4B8C-83A1-F6EECF244321}">
-                <p14:modId xmlns:p14="http://schemas.microsoft.com/office/powerpoint/2010/main" val="2212531863"/>
-              </p:ext>
-            </p:extLst>
-          </p:nvPr>
-        </p:nvGraphicFramePr>
-        <p:xfrm>
-          <a:off x="2035453" y="3692233"/>
-          <a:ext cx="3172298" cy="2481584"/>
-        </p:xfrm>
-        <a:graphic>
-          <a:graphicData uri="http://schemas.openxmlformats.org/drawingml/2006/table">
-            <a:tbl>
-              <a:tblPr firstRow="1" bandRow="1">
-                <a:tableStyleId>{0E3FDE45-AF77-4B5C-9715-49D594BDF05E}</a:tableStyleId>
-              </a:tblPr>
-              <a:tblGrid>
-                <a:gridCol w="1586149">
-                  <a:extLst>
-                    <a:ext uri="{9D8B030D-6E8A-4147-A177-3AD203B41FA5}">
-                      <a16:colId xmlns:a16="http://schemas.microsoft.com/office/drawing/2014/main" val="2445968847"/>
-                    </a:ext>
-                  </a:extLst>
-                </a:gridCol>
-                <a:gridCol w="1586149">
-                  <a:extLst>
-                    <a:ext uri="{9D8B030D-6E8A-4147-A177-3AD203B41FA5}">
-                      <a16:colId xmlns:a16="http://schemas.microsoft.com/office/drawing/2014/main" val="4277809342"/>
-                    </a:ext>
-                  </a:extLst>
-                </a:gridCol>
-              </a:tblGrid>
-              <a:tr h="620396">
-                <a:tc>
-                  <a:txBody>
-                    <a:bodyPr/>
-                    <a:lstStyle/>
-                    <a:p>
-                      <a:r>
-                        <a:rPr lang="en-US" b="0" dirty="0"/>
-                        <a:t>Accuracy</a:t>
-                      </a:r>
-                    </a:p>
-                  </a:txBody>
-                  <a:tcPr/>
-                </a:tc>
-                <a:tc>
-                  <a:txBody>
-                    <a:bodyPr/>
-                    <a:lstStyle/>
-                    <a:p>
-                      <a:r>
-                        <a:rPr lang="en-US" b="0" dirty="0"/>
-                        <a:t>98.16%</a:t>
-                      </a:r>
-                    </a:p>
-                  </a:txBody>
-                  <a:tcPr/>
-                </a:tc>
-                <a:extLst>
-                  <a:ext uri="{0D108BD9-81ED-4DB2-BD59-A6C34878D82A}">
-                    <a16:rowId xmlns:a16="http://schemas.microsoft.com/office/drawing/2014/main" val="2308501156"/>
-                  </a:ext>
-                </a:extLst>
-              </a:tr>
-              <a:tr h="620396">
-                <a:tc>
-                  <a:txBody>
-                    <a:bodyPr/>
-                    <a:lstStyle/>
-                    <a:p>
-                      <a:r>
-                        <a:rPr lang="en-US" dirty="0"/>
-                        <a:t>Precision</a:t>
-                      </a:r>
-                    </a:p>
-                  </a:txBody>
-                  <a:tcPr/>
-                </a:tc>
-                <a:tc>
-                  <a:txBody>
-                    <a:bodyPr/>
-                    <a:lstStyle/>
-                    <a:p>
-                      <a:r>
-                        <a:rPr lang="en-US" dirty="0"/>
-                        <a:t>97.80%</a:t>
-                      </a:r>
-                    </a:p>
-                  </a:txBody>
-                  <a:tcPr/>
-                </a:tc>
-                <a:extLst>
-                  <a:ext uri="{0D108BD9-81ED-4DB2-BD59-A6C34878D82A}">
-                    <a16:rowId xmlns:a16="http://schemas.microsoft.com/office/drawing/2014/main" val="2197473580"/>
-                  </a:ext>
-                </a:extLst>
-              </a:tr>
-              <a:tr h="620396">
-                <a:tc>
-                  <a:txBody>
-                    <a:bodyPr/>
-                    <a:lstStyle/>
-                    <a:p>
-                      <a:r>
-                        <a:rPr lang="en-US" dirty="0"/>
-                        <a:t>Recall</a:t>
-                      </a:r>
-                    </a:p>
-                  </a:txBody>
-                  <a:tcPr/>
-                </a:tc>
-                <a:tc>
-                  <a:txBody>
-                    <a:bodyPr/>
-                    <a:lstStyle/>
-                    <a:p>
-                      <a:r>
-                        <a:rPr lang="en-US" dirty="0"/>
-                        <a:t>98.49%</a:t>
-                      </a:r>
-                    </a:p>
-                  </a:txBody>
-                  <a:tcPr/>
-                </a:tc>
-                <a:extLst>
-                  <a:ext uri="{0D108BD9-81ED-4DB2-BD59-A6C34878D82A}">
-                    <a16:rowId xmlns:a16="http://schemas.microsoft.com/office/drawing/2014/main" val="489411253"/>
-                  </a:ext>
-                </a:extLst>
-              </a:tr>
-              <a:tr h="620396">
-                <a:tc>
-                  <a:txBody>
-                    <a:bodyPr/>
-                    <a:lstStyle/>
-                    <a:p>
-                      <a:r>
-                        <a:rPr lang="en-US" dirty="0"/>
-                        <a:t>F1</a:t>
-                      </a:r>
-                    </a:p>
-                  </a:txBody>
-                  <a:tcPr/>
-                </a:tc>
-                <a:tc>
-                  <a:txBody>
-                    <a:bodyPr/>
-                    <a:lstStyle/>
-                    <a:p>
-                      <a:r>
-                        <a:rPr lang="en-US" dirty="0"/>
-                        <a:t>98.15%</a:t>
-                      </a:r>
-                    </a:p>
-                  </a:txBody>
-                  <a:tcPr/>
-                </a:tc>
-                <a:extLst>
-                  <a:ext uri="{0D108BD9-81ED-4DB2-BD59-A6C34878D82A}">
-                    <a16:rowId xmlns:a16="http://schemas.microsoft.com/office/drawing/2014/main" val="1084420365"/>
-                  </a:ext>
-                </a:extLst>
-              </a:tr>
-            </a:tbl>
-          </a:graphicData>
-        </a:graphic>
-      </p:graphicFrame>
-    </p:spTree>
-    <p:extLst>
-      <p:ext uri="{BB962C8B-B14F-4D97-AF65-F5344CB8AC3E}">
-        <p14:creationId xmlns:p14="http://schemas.microsoft.com/office/powerpoint/2010/main" val="2465100621"/>
-      </p:ext>
-    </p:extLst>
-  </p:cSld>
-  <p:clrMapOvr>
-    <a:masterClrMapping/>
-  </p:clrMapOvr>
-</p:sld>
-</file>
-
-<file path=ppt/slides/slide17.xml><?xml version="1.0" encoding="utf-8"?>
-<p:sld xmlns:a="http://schemas.openxmlformats.org/drawingml/2006/main" xmlns:r="http://schemas.openxmlformats.org/officeDocument/2006/relationships" xmlns:p="http://schemas.openxmlformats.org/presentationml/2006/main">
-  <p:cSld>
-    <p:spTree>
-      <p:nvGrpSpPr>
-        <p:cNvPr id="1" name=""/>
-        <p:cNvGrpSpPr/>
-        <p:nvPr/>
-      </p:nvGrpSpPr>
-      <p:grpSpPr>
-        <a:xfrm>
-          <a:off x="0" y="0"/>
-          <a:ext cx="0" cy="0"/>
-          <a:chOff x="0" y="0"/>
-          <a:chExt cx="0" cy="0"/>
-        </a:xfrm>
-      </p:grpSpPr>
-      <p:sp>
-        <p:nvSpPr>
-          <p:cNvPr id="2" name="Title 1">
-            <a:extLst>
-              <a:ext uri="{FF2B5EF4-FFF2-40B4-BE49-F238E27FC236}">
-                <a16:creationId xmlns:a16="http://schemas.microsoft.com/office/drawing/2014/main" id="{4B70CF4C-890E-3D51-42CF-8369E8A5EE67}"/>
-              </a:ext>
-            </a:extLst>
-          </p:cNvPr>
-          <p:cNvSpPr>
-            <a:spLocks noGrp="1"/>
-          </p:cNvSpPr>
-          <p:nvPr>
-            <p:ph type="title"/>
-          </p:nvPr>
-        </p:nvSpPr>
-        <p:spPr/>
-        <p:txBody>
-          <a:bodyPr/>
-          <a:lstStyle/>
-          <a:p>
-            <a:r>
-              <a:rPr lang="en-US" cap="none" dirty="0"/>
-              <a:t>ResNet50 + </a:t>
-            </a:r>
-            <a:r>
-              <a:rPr lang="en-US" cap="none" dirty="0" err="1"/>
-              <a:t>XGBoost</a:t>
-            </a:r>
-            <a:endParaRPr lang="en-US" cap="none" dirty="0"/>
-          </a:p>
-        </p:txBody>
-      </p:sp>
-      <p:sp>
-        <p:nvSpPr>
-          <p:cNvPr id="4" name="Content Placeholder 3">
-            <a:extLst>
-              <a:ext uri="{FF2B5EF4-FFF2-40B4-BE49-F238E27FC236}">
-                <a16:creationId xmlns:a16="http://schemas.microsoft.com/office/drawing/2014/main" id="{EC30CEE4-B089-6ECB-5EC1-852C0C1DED3C}"/>
-              </a:ext>
-            </a:extLst>
-          </p:cNvPr>
-          <p:cNvSpPr>
-            <a:spLocks noGrp="1"/>
-          </p:cNvSpPr>
-          <p:nvPr>
-            <p:ph sz="half" idx="2"/>
-          </p:nvPr>
-        </p:nvSpPr>
-        <p:spPr/>
-        <p:txBody>
-          <a:bodyPr/>
-          <a:lstStyle/>
-          <a:p>
-            <a:r>
-              <a:rPr lang="en-US" dirty="0"/>
-              <a:t>CM</a:t>
-            </a:r>
-          </a:p>
-        </p:txBody>
-      </p:sp>
-      <p:pic>
-        <p:nvPicPr>
-          <p:cNvPr id="6" name="Picture 5" descr="Chart, treemap chart&#10;&#10;Description automatically generated">
-            <a:extLst>
-              <a:ext uri="{FF2B5EF4-FFF2-40B4-BE49-F238E27FC236}">
-                <a16:creationId xmlns:a16="http://schemas.microsoft.com/office/drawing/2014/main" id="{5E481345-AC52-328C-7FD0-A1AA86018EA4}"/>
-              </a:ext>
-            </a:extLst>
-          </p:cNvPr>
-          <p:cNvPicPr>
-            <a:picLocks noChangeAspect="1"/>
-          </p:cNvPicPr>
-          <p:nvPr/>
-        </p:nvPicPr>
-        <p:blipFill>
-          <a:blip r:embed="rId2"/>
-          <a:stretch>
-            <a:fillRect/>
-          </a:stretch>
-        </p:blipFill>
-        <p:spPr>
-          <a:xfrm>
-            <a:off x="5552403" y="2487769"/>
-            <a:ext cx="4320914" cy="3711262"/>
-          </a:xfrm>
-          <a:prstGeom prst="rect">
-            <a:avLst/>
-          </a:prstGeom>
-        </p:spPr>
-      </p:pic>
-      <p:graphicFrame>
-        <p:nvGraphicFramePr>
-          <p:cNvPr id="7" name="Table 7">
-            <a:extLst>
-              <a:ext uri="{FF2B5EF4-FFF2-40B4-BE49-F238E27FC236}">
-                <a16:creationId xmlns:a16="http://schemas.microsoft.com/office/drawing/2014/main" id="{102A277D-C4BD-E13D-5C5D-5714382811AB}"/>
-              </a:ext>
-            </a:extLst>
-          </p:cNvPr>
-          <p:cNvGraphicFramePr>
-            <a:graphicFrameLocks noGrp="1"/>
-          </p:cNvGraphicFramePr>
-          <p:nvPr>
-            <p:extLst>
-              <p:ext uri="{D42A27DB-BD31-4B8C-83A1-F6EECF244321}">
-                <p14:modId xmlns:p14="http://schemas.microsoft.com/office/powerpoint/2010/main" val="4256769366"/>
-              </p:ext>
-            </p:extLst>
-          </p:nvPr>
-        </p:nvGraphicFramePr>
-        <p:xfrm>
-          <a:off x="1981009" y="2948243"/>
-          <a:ext cx="3172298" cy="2481584"/>
-        </p:xfrm>
-        <a:graphic>
-          <a:graphicData uri="http://schemas.openxmlformats.org/drawingml/2006/table">
-            <a:tbl>
-              <a:tblPr firstRow="1" bandRow="1">
-                <a:tableStyleId>{0E3FDE45-AF77-4B5C-9715-49D594BDF05E}</a:tableStyleId>
-              </a:tblPr>
-              <a:tblGrid>
-                <a:gridCol w="1586149">
-                  <a:extLst>
-                    <a:ext uri="{9D8B030D-6E8A-4147-A177-3AD203B41FA5}">
-                      <a16:colId xmlns:a16="http://schemas.microsoft.com/office/drawing/2014/main" val="2445968847"/>
-                    </a:ext>
-                  </a:extLst>
-                </a:gridCol>
-                <a:gridCol w="1586149">
-                  <a:extLst>
-                    <a:ext uri="{9D8B030D-6E8A-4147-A177-3AD203B41FA5}">
-                      <a16:colId xmlns:a16="http://schemas.microsoft.com/office/drawing/2014/main" val="4277809342"/>
-                    </a:ext>
-                  </a:extLst>
-                </a:gridCol>
-              </a:tblGrid>
-              <a:tr h="620396">
-                <a:tc>
-                  <a:txBody>
-                    <a:bodyPr/>
-                    <a:lstStyle/>
-                    <a:p>
-                      <a:r>
-                        <a:rPr lang="en-US" b="0" dirty="0"/>
-                        <a:t>Accuracy</a:t>
-                      </a:r>
-                    </a:p>
-                  </a:txBody>
-                  <a:tcPr/>
-                </a:tc>
-                <a:tc>
-                  <a:txBody>
-                    <a:bodyPr/>
-                    <a:lstStyle/>
-                    <a:p>
-                      <a:r>
-                        <a:rPr lang="en-US" b="0" dirty="0"/>
-                        <a:t>95%</a:t>
-                      </a:r>
-                    </a:p>
-                  </a:txBody>
-                  <a:tcPr/>
-                </a:tc>
-                <a:extLst>
-                  <a:ext uri="{0D108BD9-81ED-4DB2-BD59-A6C34878D82A}">
-                    <a16:rowId xmlns:a16="http://schemas.microsoft.com/office/drawing/2014/main" val="2308501156"/>
-                  </a:ext>
-                </a:extLst>
-              </a:tr>
-              <a:tr h="620396">
-                <a:tc>
-                  <a:txBody>
-                    <a:bodyPr/>
-                    <a:lstStyle/>
-                    <a:p>
-                      <a:r>
-                        <a:rPr lang="en-US" dirty="0"/>
-                        <a:t>Precision</a:t>
-                      </a:r>
-                    </a:p>
-                  </a:txBody>
-                  <a:tcPr/>
-                </a:tc>
-                <a:tc>
-                  <a:txBody>
-                    <a:bodyPr/>
-                    <a:lstStyle/>
-                    <a:p>
-                      <a:r>
-                        <a:rPr lang="en-US" dirty="0"/>
-                        <a:t>94.28%</a:t>
-                      </a:r>
-                    </a:p>
-                  </a:txBody>
-                  <a:tcPr/>
-                </a:tc>
-                <a:extLst>
-                  <a:ext uri="{0D108BD9-81ED-4DB2-BD59-A6C34878D82A}">
-                    <a16:rowId xmlns:a16="http://schemas.microsoft.com/office/drawing/2014/main" val="2197473580"/>
-                  </a:ext>
-                </a:extLst>
-              </a:tr>
-              <a:tr h="620396">
-                <a:tc>
-                  <a:txBody>
-                    <a:bodyPr/>
-                    <a:lstStyle/>
-                    <a:p>
-                      <a:r>
-                        <a:rPr lang="en-US" dirty="0"/>
-                        <a:t>Recall</a:t>
-                      </a:r>
-                    </a:p>
-                  </a:txBody>
-                  <a:tcPr/>
-                </a:tc>
-                <a:tc>
-                  <a:txBody>
-                    <a:bodyPr/>
-                    <a:lstStyle/>
-                    <a:p>
-                      <a:r>
-                        <a:rPr lang="en-US" dirty="0"/>
-                        <a:t>95.71%</a:t>
-                      </a:r>
-                    </a:p>
-                  </a:txBody>
-                  <a:tcPr/>
-                </a:tc>
-                <a:extLst>
-                  <a:ext uri="{0D108BD9-81ED-4DB2-BD59-A6C34878D82A}">
-                    <a16:rowId xmlns:a16="http://schemas.microsoft.com/office/drawing/2014/main" val="489411253"/>
-                  </a:ext>
-                </a:extLst>
-              </a:tr>
-              <a:tr h="620396">
-                <a:tc>
-                  <a:txBody>
-                    <a:bodyPr/>
-                    <a:lstStyle/>
-                    <a:p>
-                      <a:r>
-                        <a:rPr lang="en-US" dirty="0"/>
-                        <a:t>F1</a:t>
-                      </a:r>
-                    </a:p>
-                  </a:txBody>
-                  <a:tcPr/>
-                </a:tc>
-                <a:tc>
-                  <a:txBody>
-                    <a:bodyPr/>
-                    <a:lstStyle/>
-                    <a:p>
-                      <a:r>
-                        <a:rPr lang="en-US" dirty="0"/>
-                        <a:t>94.99%</a:t>
-                      </a:r>
-                    </a:p>
-                  </a:txBody>
-                  <a:tcPr/>
-                </a:tc>
-                <a:extLst>
-                  <a:ext uri="{0D108BD9-81ED-4DB2-BD59-A6C34878D82A}">
-                    <a16:rowId xmlns:a16="http://schemas.microsoft.com/office/drawing/2014/main" val="1084420365"/>
-                  </a:ext>
-                </a:extLst>
-              </a:tr>
-            </a:tbl>
-          </a:graphicData>
-        </a:graphic>
-      </p:graphicFrame>
-    </p:spTree>
-    <p:extLst>
-      <p:ext uri="{BB962C8B-B14F-4D97-AF65-F5344CB8AC3E}">
-        <p14:creationId xmlns:p14="http://schemas.microsoft.com/office/powerpoint/2010/main" val="1655481210"/>
-      </p:ext>
-    </p:extLst>
-  </p:cSld>
-  <p:clrMapOvr>
-    <a:masterClrMapping/>
-  </p:clrMapOvr>
-</p:sld>
-</file>
-
-<file path=ppt/slides/slide18.xml><?xml version="1.0" encoding="utf-8"?>
-<p:sld xmlns:a="http://schemas.openxmlformats.org/drawingml/2006/main" xmlns:r="http://schemas.openxmlformats.org/officeDocument/2006/relationships" xmlns:p="http://schemas.openxmlformats.org/presentationml/2006/main">
-  <p:cSld>
-    <p:spTree>
-      <p:nvGrpSpPr>
-        <p:cNvPr id="1" name=""/>
-        <p:cNvGrpSpPr/>
-        <p:nvPr/>
-      </p:nvGrpSpPr>
-      <p:grpSpPr>
-        <a:xfrm>
-          <a:off x="0" y="0"/>
-          <a:ext cx="0" cy="0"/>
-          <a:chOff x="0" y="0"/>
-          <a:chExt cx="0" cy="0"/>
-        </a:xfrm>
-      </p:grpSpPr>
-      <p:sp>
-        <p:nvSpPr>
-          <p:cNvPr id="2" name="Title 1">
-            <a:extLst>
-              <a:ext uri="{FF2B5EF4-FFF2-40B4-BE49-F238E27FC236}">
-                <a16:creationId xmlns:a16="http://schemas.microsoft.com/office/drawing/2014/main" id="{4B70CF4C-890E-3D51-42CF-8369E8A5EE67}"/>
-              </a:ext>
-            </a:extLst>
-          </p:cNvPr>
-          <p:cNvSpPr>
-            <a:spLocks noGrp="1"/>
-          </p:cNvSpPr>
-          <p:nvPr>
-            <p:ph type="title"/>
-          </p:nvPr>
-        </p:nvSpPr>
-        <p:spPr/>
-        <p:txBody>
-          <a:bodyPr/>
-          <a:lstStyle/>
-          <a:p>
-            <a:r>
-              <a:rPr lang="en-US" cap="none" dirty="0"/>
-              <a:t>DenseNet121 + SVM</a:t>
-            </a:r>
-          </a:p>
-        </p:txBody>
-      </p:sp>
-      <p:sp>
-        <p:nvSpPr>
-          <p:cNvPr id="3" name="Content Placeholder 2">
-            <a:extLst>
-              <a:ext uri="{FF2B5EF4-FFF2-40B4-BE49-F238E27FC236}">
-                <a16:creationId xmlns:a16="http://schemas.microsoft.com/office/drawing/2014/main" id="{28BE097C-74B3-0070-A822-F078A856DC00}"/>
-              </a:ext>
-            </a:extLst>
-          </p:cNvPr>
-          <p:cNvSpPr>
-            <a:spLocks noGrp="1"/>
-          </p:cNvSpPr>
-          <p:nvPr>
-            <p:ph sz="half" idx="1"/>
-          </p:nvPr>
-        </p:nvSpPr>
-        <p:spPr>
-          <a:xfrm>
-            <a:off x="1581912" y="2531040"/>
-            <a:ext cx="4271771" cy="3101982"/>
-          </a:xfrm>
-        </p:spPr>
-        <p:txBody>
-          <a:bodyPr/>
-          <a:lstStyle/>
-          <a:p>
-            <a:r>
-              <a:rPr lang="en-US" dirty="0"/>
-              <a:t>Polynomial kernel of degree 3</a:t>
-            </a:r>
-          </a:p>
-          <a:p>
-            <a:r>
-              <a:rPr lang="en-US" dirty="0"/>
-              <a:t>Regularization parameter C=100</a:t>
-            </a:r>
-          </a:p>
-          <a:p>
-            <a:endParaRPr lang="en-US" dirty="0"/>
-          </a:p>
-        </p:txBody>
-      </p:sp>
-      <p:pic>
-        <p:nvPicPr>
-          <p:cNvPr id="8" name="Content Placeholder 7" descr="Chart, treemap chart&#10;&#10;Description automatically generated">
-            <a:extLst>
-              <a:ext uri="{FF2B5EF4-FFF2-40B4-BE49-F238E27FC236}">
-                <a16:creationId xmlns:a16="http://schemas.microsoft.com/office/drawing/2014/main" id="{77F132D0-BAB2-0379-FF4B-19D120061E4F}"/>
-              </a:ext>
-            </a:extLst>
-          </p:cNvPr>
-          <p:cNvPicPr>
-            <a:picLocks noGrp="1" noChangeAspect="1"/>
-          </p:cNvPicPr>
-          <p:nvPr>
-            <p:ph sz="half" idx="2"/>
-          </p:nvPr>
-        </p:nvPicPr>
-        <p:blipFill>
-          <a:blip r:embed="rId2"/>
-          <a:stretch>
-            <a:fillRect/>
-          </a:stretch>
-        </p:blipFill>
-        <p:spPr>
-          <a:xfrm>
-            <a:off x="5620220" y="2531040"/>
-            <a:ext cx="4153843" cy="3628041"/>
-          </a:xfrm>
-        </p:spPr>
-      </p:pic>
-      <p:graphicFrame>
-        <p:nvGraphicFramePr>
-          <p:cNvPr id="11" name="Table 7">
-            <a:extLst>
-              <a:ext uri="{FF2B5EF4-FFF2-40B4-BE49-F238E27FC236}">
-                <a16:creationId xmlns:a16="http://schemas.microsoft.com/office/drawing/2014/main" id="{D7392434-F2A9-D6D2-94A4-3B0F3817F25D}"/>
-              </a:ext>
-            </a:extLst>
-          </p:cNvPr>
-          <p:cNvGraphicFramePr>
-            <a:graphicFrameLocks noGrp="1"/>
-          </p:cNvGraphicFramePr>
-          <p:nvPr>
-            <p:extLst>
-              <p:ext uri="{D42A27DB-BD31-4B8C-83A1-F6EECF244321}">
-                <p14:modId xmlns:p14="http://schemas.microsoft.com/office/powerpoint/2010/main" val="718558827"/>
-              </p:ext>
-            </p:extLst>
-          </p:nvPr>
-        </p:nvGraphicFramePr>
-        <p:xfrm>
-          <a:off x="1907913" y="3677497"/>
-          <a:ext cx="3172298" cy="2481584"/>
-        </p:xfrm>
-        <a:graphic>
-          <a:graphicData uri="http://schemas.openxmlformats.org/drawingml/2006/table">
-            <a:tbl>
-              <a:tblPr firstRow="1" bandRow="1">
-                <a:tableStyleId>{0E3FDE45-AF77-4B5C-9715-49D594BDF05E}</a:tableStyleId>
-              </a:tblPr>
-              <a:tblGrid>
-                <a:gridCol w="1586149">
-                  <a:extLst>
-                    <a:ext uri="{9D8B030D-6E8A-4147-A177-3AD203B41FA5}">
-                      <a16:colId xmlns:a16="http://schemas.microsoft.com/office/drawing/2014/main" val="2445968847"/>
-                    </a:ext>
-                  </a:extLst>
-                </a:gridCol>
-                <a:gridCol w="1586149">
-                  <a:extLst>
-                    <a:ext uri="{9D8B030D-6E8A-4147-A177-3AD203B41FA5}">
-                      <a16:colId xmlns:a16="http://schemas.microsoft.com/office/drawing/2014/main" val="4277809342"/>
-                    </a:ext>
-                  </a:extLst>
-                </a:gridCol>
-              </a:tblGrid>
-              <a:tr h="620396">
-                <a:tc>
-                  <a:txBody>
-                    <a:bodyPr/>
-                    <a:lstStyle/>
-                    <a:p>
-                      <a:r>
-                        <a:rPr lang="en-US" b="0" dirty="0"/>
-                        <a:t>Accuracy</a:t>
-                      </a:r>
-                    </a:p>
-                  </a:txBody>
-                  <a:tcPr/>
-                </a:tc>
-                <a:tc>
-                  <a:txBody>
-                    <a:bodyPr/>
-                    <a:lstStyle/>
-                    <a:p>
-                      <a:r>
-                        <a:rPr lang="en-US" b="0" dirty="0"/>
-                        <a:t>96.88%</a:t>
-                      </a:r>
-                    </a:p>
-                  </a:txBody>
-                  <a:tcPr/>
-                </a:tc>
-                <a:extLst>
-                  <a:ext uri="{0D108BD9-81ED-4DB2-BD59-A6C34878D82A}">
-                    <a16:rowId xmlns:a16="http://schemas.microsoft.com/office/drawing/2014/main" val="2308501156"/>
-                  </a:ext>
-                </a:extLst>
-              </a:tr>
-              <a:tr h="620396">
-                <a:tc>
-                  <a:txBody>
-                    <a:bodyPr/>
-                    <a:lstStyle/>
-                    <a:p>
-                      <a:r>
-                        <a:rPr lang="en-US" dirty="0"/>
-                        <a:t>Precision</a:t>
-                      </a:r>
-                    </a:p>
-                  </a:txBody>
-                  <a:tcPr/>
-                </a:tc>
-                <a:tc>
-                  <a:txBody>
-                    <a:bodyPr/>
-                    <a:lstStyle/>
-                    <a:p>
-                      <a:r>
-                        <a:rPr lang="en-US" dirty="0"/>
-                        <a:t>97.00%</a:t>
-                      </a:r>
-                    </a:p>
-                  </a:txBody>
-                  <a:tcPr/>
-                </a:tc>
-                <a:extLst>
-                  <a:ext uri="{0D108BD9-81ED-4DB2-BD59-A6C34878D82A}">
-                    <a16:rowId xmlns:a16="http://schemas.microsoft.com/office/drawing/2014/main" val="2197473580"/>
-                  </a:ext>
-                </a:extLst>
-              </a:tr>
-              <a:tr h="620396">
-                <a:tc>
-                  <a:txBody>
-                    <a:bodyPr/>
-                    <a:lstStyle/>
-                    <a:p>
-                      <a:r>
-                        <a:rPr lang="en-US" dirty="0"/>
-                        <a:t>Recall</a:t>
-                      </a:r>
-                    </a:p>
-                  </a:txBody>
-                  <a:tcPr/>
-                </a:tc>
-                <a:tc>
-                  <a:txBody>
-                    <a:bodyPr/>
-                    <a:lstStyle/>
-                    <a:p>
-                      <a:r>
-                        <a:rPr lang="en-US" dirty="0"/>
-                        <a:t>96.81%</a:t>
-                      </a:r>
-                    </a:p>
-                  </a:txBody>
-                  <a:tcPr/>
-                </a:tc>
-                <a:extLst>
-                  <a:ext uri="{0D108BD9-81ED-4DB2-BD59-A6C34878D82A}">
-                    <a16:rowId xmlns:a16="http://schemas.microsoft.com/office/drawing/2014/main" val="489411253"/>
-                  </a:ext>
-                </a:extLst>
-              </a:tr>
-              <a:tr h="620396">
-                <a:tc>
-                  <a:txBody>
-                    <a:bodyPr/>
-                    <a:lstStyle/>
-                    <a:p>
-                      <a:r>
-                        <a:rPr lang="en-US" dirty="0"/>
-                        <a:t>F1</a:t>
-                      </a:r>
-                    </a:p>
-                  </a:txBody>
-                  <a:tcPr/>
-                </a:tc>
-                <a:tc>
-                  <a:txBody>
-                    <a:bodyPr/>
-                    <a:lstStyle/>
-                    <a:p>
-                      <a:r>
-                        <a:rPr lang="en-US" dirty="0"/>
-                        <a:t>96.90%</a:t>
-                      </a:r>
-                    </a:p>
-                  </a:txBody>
-                  <a:tcPr/>
-                </a:tc>
-                <a:extLst>
-                  <a:ext uri="{0D108BD9-81ED-4DB2-BD59-A6C34878D82A}">
-                    <a16:rowId xmlns:a16="http://schemas.microsoft.com/office/drawing/2014/main" val="1084420365"/>
-                  </a:ext>
-                </a:extLst>
-              </a:tr>
-            </a:tbl>
-          </a:graphicData>
-        </a:graphic>
-      </p:graphicFrame>
-    </p:spTree>
-    <p:extLst>
-      <p:ext uri="{BB962C8B-B14F-4D97-AF65-F5344CB8AC3E}">
-        <p14:creationId xmlns:p14="http://schemas.microsoft.com/office/powerpoint/2010/main" val="3217326032"/>
       </p:ext>
     </p:extLst>
   </p:cSld>
@@ -8186,6 +8299,450 @@
 </file>
 
 <file path=ppt/slides/slide26.xml><?xml version="1.0" encoding="utf-8"?>
+<p:sld xmlns:a="http://schemas.openxmlformats.org/drawingml/2006/main" xmlns:r="http://schemas.openxmlformats.org/officeDocument/2006/relationships" xmlns:p="http://schemas.openxmlformats.org/presentationml/2006/main">
+  <p:cSld>
+    <p:spTree>
+      <p:nvGrpSpPr>
+        <p:cNvPr id="1" name=""/>
+        <p:cNvGrpSpPr/>
+        <p:nvPr/>
+      </p:nvGrpSpPr>
+      <p:grpSpPr>
+        <a:xfrm>
+          <a:off x="0" y="0"/>
+          <a:ext cx="0" cy="0"/>
+          <a:chOff x="0" y="0"/>
+          <a:chExt cx="0" cy="0"/>
+        </a:xfrm>
+      </p:grpSpPr>
+      <p:sp>
+        <p:nvSpPr>
+          <p:cNvPr id="2" name="Title 1">
+            <a:extLst>
+              <a:ext uri="{FF2B5EF4-FFF2-40B4-BE49-F238E27FC236}">
+                <a16:creationId xmlns:a16="http://schemas.microsoft.com/office/drawing/2014/main" id="{EC9F2E69-3F77-A0FA-DFC2-91850E076F7B}"/>
+              </a:ext>
+            </a:extLst>
+          </p:cNvPr>
+          <p:cNvSpPr>
+            <a:spLocks noGrp="1"/>
+          </p:cNvSpPr>
+          <p:nvPr>
+            <p:ph type="title"/>
+          </p:nvPr>
+        </p:nvSpPr>
+        <p:spPr/>
+        <p:txBody>
+          <a:bodyPr/>
+          <a:lstStyle/>
+          <a:p>
+            <a:r>
+              <a:rPr lang="en-US" dirty="0"/>
+              <a:t>Summary</a:t>
+            </a:r>
+          </a:p>
+        </p:txBody>
+      </p:sp>
+      <p:grpSp>
+        <p:nvGrpSpPr>
+          <p:cNvPr id="15" name="Group 14">
+            <a:extLst>
+              <a:ext uri="{FF2B5EF4-FFF2-40B4-BE49-F238E27FC236}">
+                <a16:creationId xmlns:a16="http://schemas.microsoft.com/office/drawing/2014/main" id="{A03C9722-690C-E986-EEF4-952F88CF3D4D}"/>
+              </a:ext>
+            </a:extLst>
+          </p:cNvPr>
+          <p:cNvGrpSpPr/>
+          <p:nvPr/>
+        </p:nvGrpSpPr>
+        <p:grpSpPr>
+          <a:xfrm>
+            <a:off x="3477443" y="2726980"/>
+            <a:ext cx="5742974" cy="3019479"/>
+            <a:chOff x="2736996" y="3048000"/>
+            <a:chExt cx="5742974" cy="3019479"/>
+          </a:xfrm>
+        </p:grpSpPr>
+        <p:sp>
+          <p:nvSpPr>
+            <p:cNvPr id="4" name="Rectangle 3">
+              <a:extLst>
+                <a:ext uri="{FF2B5EF4-FFF2-40B4-BE49-F238E27FC236}">
+                  <a16:creationId xmlns:a16="http://schemas.microsoft.com/office/drawing/2014/main" id="{797F6435-5D02-946B-409A-FB7B6D9BEDCC}"/>
+                </a:ext>
+              </a:extLst>
+            </p:cNvPr>
+            <p:cNvSpPr/>
+            <p:nvPr/>
+          </p:nvSpPr>
+          <p:spPr>
+            <a:xfrm>
+              <a:off x="2736996" y="3048000"/>
+              <a:ext cx="5742974" cy="3019479"/>
+            </a:xfrm>
+            <a:prstGeom prst="rect">
+              <a:avLst/>
+            </a:prstGeom>
+            <a:solidFill>
+              <a:schemeClr val="bg1"/>
+            </a:solidFill>
+            <a:ln>
+              <a:solidFill>
+                <a:schemeClr val="bg1"/>
+              </a:solidFill>
+            </a:ln>
+          </p:spPr>
+          <p:style>
+            <a:lnRef idx="2">
+              <a:schemeClr val="accent1">
+                <a:shade val="50000"/>
+              </a:schemeClr>
+            </a:lnRef>
+            <a:fillRef idx="1">
+              <a:schemeClr val="accent1"/>
+            </a:fillRef>
+            <a:effectRef idx="0">
+              <a:schemeClr val="accent1"/>
+            </a:effectRef>
+            <a:fontRef idx="minor">
+              <a:schemeClr val="lt1"/>
+            </a:fontRef>
+          </p:style>
+          <p:txBody>
+            <a:bodyPr rtlCol="0" anchor="ctr"/>
+            <a:lstStyle/>
+            <a:p>
+              <a:pPr algn="ctr"/>
+              <a:endParaRPr lang="en-US"/>
+            </a:p>
+          </p:txBody>
+        </p:sp>
+        <p:pic>
+          <p:nvPicPr>
+            <p:cNvPr id="6" name="Picture 5" descr="Chart&#10;&#10;Description automatically generated">
+              <a:extLst>
+                <a:ext uri="{FF2B5EF4-FFF2-40B4-BE49-F238E27FC236}">
+                  <a16:creationId xmlns:a16="http://schemas.microsoft.com/office/drawing/2014/main" id="{0F48C3DF-FD99-EC36-5461-0566C2982648}"/>
+                </a:ext>
+              </a:extLst>
+            </p:cNvPr>
+            <p:cNvPicPr>
+              <a:picLocks noChangeAspect="1"/>
+            </p:cNvPicPr>
+            <p:nvPr/>
+          </p:nvPicPr>
+          <p:blipFill rotWithShape="1">
+            <a:blip r:embed="rId3"/>
+            <a:srcRect t="25549" r="24289" b="-1"/>
+            <a:stretch/>
+          </p:blipFill>
+          <p:spPr>
+            <a:xfrm>
+              <a:off x="2736996" y="3320141"/>
+              <a:ext cx="3608142" cy="2062843"/>
+            </a:xfrm>
+            <a:prstGeom prst="rect">
+              <a:avLst/>
+            </a:prstGeom>
+          </p:spPr>
+        </p:pic>
+        <p:grpSp>
+          <p:nvGrpSpPr>
+            <p:cNvPr id="10" name="Group 9">
+              <a:extLst>
+                <a:ext uri="{FF2B5EF4-FFF2-40B4-BE49-F238E27FC236}">
+                  <a16:creationId xmlns:a16="http://schemas.microsoft.com/office/drawing/2014/main" id="{A7CA3B95-C634-7090-B6B9-52F6640D33F9}"/>
+                </a:ext>
+              </a:extLst>
+            </p:cNvPr>
+            <p:cNvGrpSpPr/>
+            <p:nvPr/>
+          </p:nvGrpSpPr>
+          <p:grpSpPr>
+            <a:xfrm>
+              <a:off x="6232981" y="3320143"/>
+              <a:ext cx="1604733" cy="2051957"/>
+              <a:chOff x="8447314" y="3371781"/>
+              <a:chExt cx="1529821" cy="1981310"/>
+            </a:xfrm>
+          </p:grpSpPr>
+          <p:pic>
+            <p:nvPicPr>
+              <p:cNvPr id="8" name="Picture 7" descr="Chart&#10;&#10;Description automatically generated">
+                <a:extLst>
+                  <a:ext uri="{FF2B5EF4-FFF2-40B4-BE49-F238E27FC236}">
+                    <a16:creationId xmlns:a16="http://schemas.microsoft.com/office/drawing/2014/main" id="{4175B88B-2E02-F3CF-CB7C-3C19091090E9}"/>
+                  </a:ext>
+                </a:extLst>
+              </p:cNvPr>
+              <p:cNvPicPr>
+                <a:picLocks noChangeAspect="1"/>
+              </p:cNvPicPr>
+              <p:nvPr/>
+            </p:nvPicPr>
+            <p:blipFill rotWithShape="1">
+              <a:blip r:embed="rId4"/>
+              <a:srcRect l="39482" t="30058" r="27157"/>
+              <a:stretch/>
+            </p:blipFill>
+            <p:spPr>
+              <a:xfrm>
+                <a:off x="8447314" y="3371781"/>
+                <a:ext cx="1529821" cy="1981310"/>
+              </a:xfrm>
+              <a:prstGeom prst="rect">
+                <a:avLst/>
+              </a:prstGeom>
+            </p:spPr>
+          </p:pic>
+          <p:sp>
+            <p:nvSpPr>
+              <p:cNvPr id="9" name="Rectangle 8">
+                <a:extLst>
+                  <a:ext uri="{FF2B5EF4-FFF2-40B4-BE49-F238E27FC236}">
+                    <a16:creationId xmlns:a16="http://schemas.microsoft.com/office/drawing/2014/main" id="{052967F1-E9AF-1652-317D-8C7292977A99}"/>
+                  </a:ext>
+                </a:extLst>
+              </p:cNvPr>
+              <p:cNvSpPr/>
+              <p:nvPr/>
+            </p:nvSpPr>
+            <p:spPr>
+              <a:xfrm rot="18824915">
+                <a:off x="8309664" y="3727367"/>
+                <a:ext cx="764343" cy="170847"/>
+              </a:xfrm>
+              <a:prstGeom prst="rect">
+                <a:avLst/>
+              </a:prstGeom>
+              <a:solidFill>
+                <a:schemeClr val="bg1"/>
+              </a:solidFill>
+              <a:ln>
+                <a:solidFill>
+                  <a:schemeClr val="bg1"/>
+                </a:solidFill>
+              </a:ln>
+            </p:spPr>
+            <p:style>
+              <a:lnRef idx="2">
+                <a:schemeClr val="accent1">
+                  <a:shade val="50000"/>
+                </a:schemeClr>
+              </a:lnRef>
+              <a:fillRef idx="1">
+                <a:schemeClr val="accent1"/>
+              </a:fillRef>
+              <a:effectRef idx="0">
+                <a:schemeClr val="accent1"/>
+              </a:effectRef>
+              <a:fontRef idx="minor">
+                <a:schemeClr val="lt1"/>
+              </a:fontRef>
+            </p:style>
+            <p:txBody>
+              <a:bodyPr rtlCol="0" anchor="ctr"/>
+              <a:lstStyle/>
+              <a:p>
+                <a:pPr algn="ctr"/>
+                <a:endParaRPr lang="en-US"/>
+              </a:p>
+            </p:txBody>
+          </p:sp>
+        </p:grpSp>
+        <p:sp>
+          <p:nvSpPr>
+            <p:cNvPr id="11" name="Rectangle 10">
+              <a:extLst>
+                <a:ext uri="{FF2B5EF4-FFF2-40B4-BE49-F238E27FC236}">
+                  <a16:creationId xmlns:a16="http://schemas.microsoft.com/office/drawing/2014/main" id="{B53F5882-137D-3A91-48B0-C7140C1A69DA}"/>
+                </a:ext>
+              </a:extLst>
+            </p:cNvPr>
+            <p:cNvSpPr/>
+            <p:nvPr/>
+          </p:nvSpPr>
+          <p:spPr>
+            <a:xfrm rot="14227654">
+              <a:off x="5188731" y="3271400"/>
+              <a:ext cx="235532" cy="316022"/>
+            </a:xfrm>
+            <a:prstGeom prst="rect">
+              <a:avLst/>
+            </a:prstGeom>
+            <a:solidFill>
+              <a:schemeClr val="bg1"/>
+            </a:solidFill>
+            <a:ln>
+              <a:solidFill>
+                <a:schemeClr val="bg1"/>
+              </a:solidFill>
+            </a:ln>
+          </p:spPr>
+          <p:style>
+            <a:lnRef idx="2">
+              <a:schemeClr val="accent1">
+                <a:shade val="50000"/>
+              </a:schemeClr>
+            </a:lnRef>
+            <a:fillRef idx="1">
+              <a:schemeClr val="accent1"/>
+            </a:fillRef>
+            <a:effectRef idx="0">
+              <a:schemeClr val="accent1"/>
+            </a:effectRef>
+            <a:fontRef idx="minor">
+              <a:schemeClr val="lt1"/>
+            </a:fontRef>
+          </p:style>
+          <p:txBody>
+            <a:bodyPr rtlCol="0" anchor="ctr"/>
+            <a:lstStyle/>
+            <a:p>
+              <a:pPr algn="ctr"/>
+              <a:endParaRPr lang="en-US"/>
+            </a:p>
+          </p:txBody>
+        </p:sp>
+        <p:sp>
+          <p:nvSpPr>
+            <p:cNvPr id="12" name="TextBox 11">
+              <a:extLst>
+                <a:ext uri="{FF2B5EF4-FFF2-40B4-BE49-F238E27FC236}">
+                  <a16:creationId xmlns:a16="http://schemas.microsoft.com/office/drawing/2014/main" id="{159C4739-EC35-7459-165E-92EB64059EA2}"/>
+                </a:ext>
+              </a:extLst>
+            </p:cNvPr>
+            <p:cNvSpPr txBox="1"/>
+            <p:nvPr/>
+          </p:nvSpPr>
+          <p:spPr>
+            <a:xfrm>
+              <a:off x="5056669" y="5338127"/>
+              <a:ext cx="1039331" cy="369332"/>
+            </a:xfrm>
+            <a:prstGeom prst="rect">
+              <a:avLst/>
+            </a:prstGeom>
+            <a:noFill/>
+          </p:spPr>
+          <p:txBody>
+            <a:bodyPr wrap="square" rtlCol="0">
+              <a:spAutoFit/>
+            </a:bodyPr>
+            <a:lstStyle/>
+            <a:p>
+              <a:r>
+                <a:rPr lang="en-US" dirty="0"/>
+                <a:t>2h8m</a:t>
+              </a:r>
+            </a:p>
+          </p:txBody>
+        </p:sp>
+        <p:sp>
+          <p:nvSpPr>
+            <p:cNvPr id="13" name="TextBox 12">
+              <a:extLst>
+                <a:ext uri="{FF2B5EF4-FFF2-40B4-BE49-F238E27FC236}">
+                  <a16:creationId xmlns:a16="http://schemas.microsoft.com/office/drawing/2014/main" id="{74FE91C4-D44A-85F0-BDF0-C48865449DB1}"/>
+                </a:ext>
+              </a:extLst>
+            </p:cNvPr>
+            <p:cNvSpPr txBox="1"/>
+            <p:nvPr/>
+          </p:nvSpPr>
+          <p:spPr>
+            <a:xfrm>
+              <a:off x="6482119" y="5313262"/>
+              <a:ext cx="1039331" cy="369332"/>
+            </a:xfrm>
+            <a:prstGeom prst="rect">
+              <a:avLst/>
+            </a:prstGeom>
+            <a:noFill/>
+          </p:spPr>
+          <p:txBody>
+            <a:bodyPr wrap="square" rtlCol="0">
+              <a:spAutoFit/>
+            </a:bodyPr>
+            <a:lstStyle/>
+            <a:p>
+              <a:r>
+                <a:rPr lang="en-US" dirty="0"/>
+                <a:t>3h56m</a:t>
+              </a:r>
+            </a:p>
+          </p:txBody>
+        </p:sp>
+        <p:sp>
+          <p:nvSpPr>
+            <p:cNvPr id="14" name="Rectangle 13">
+              <a:extLst>
+                <a:ext uri="{FF2B5EF4-FFF2-40B4-BE49-F238E27FC236}">
+                  <a16:creationId xmlns:a16="http://schemas.microsoft.com/office/drawing/2014/main" id="{9A68E52B-2FB5-953E-BD17-3D1496DAAA5E}"/>
+                </a:ext>
+              </a:extLst>
+            </p:cNvPr>
+            <p:cNvSpPr/>
+            <p:nvPr/>
+          </p:nvSpPr>
+          <p:spPr>
+            <a:xfrm rot="21396782">
+              <a:off x="6638038" y="3312837"/>
+              <a:ext cx="385010" cy="243938"/>
+            </a:xfrm>
+            <a:prstGeom prst="rect">
+              <a:avLst/>
+            </a:prstGeom>
+            <a:solidFill>
+              <a:schemeClr val="bg1"/>
+            </a:solidFill>
+            <a:ln>
+              <a:solidFill>
+                <a:schemeClr val="bg1"/>
+              </a:solidFill>
+            </a:ln>
+          </p:spPr>
+          <p:style>
+            <a:lnRef idx="2">
+              <a:schemeClr val="accent1">
+                <a:shade val="50000"/>
+              </a:schemeClr>
+            </a:lnRef>
+            <a:fillRef idx="1">
+              <a:schemeClr val="accent1"/>
+            </a:fillRef>
+            <a:effectRef idx="0">
+              <a:schemeClr val="accent1"/>
+            </a:effectRef>
+            <a:fontRef idx="minor">
+              <a:schemeClr val="lt1"/>
+            </a:fontRef>
+          </p:style>
+          <p:txBody>
+            <a:bodyPr rtlCol="0" anchor="ctr"/>
+            <a:lstStyle/>
+            <a:p>
+              <a:pPr algn="ctr"/>
+              <a:endParaRPr lang="en-US"/>
+            </a:p>
+          </p:txBody>
+        </p:sp>
+      </p:grpSp>
+    </p:spTree>
+    <p:extLst>
+      <p:ext uri="{BB962C8B-B14F-4D97-AF65-F5344CB8AC3E}">
+        <p14:creationId xmlns:p14="http://schemas.microsoft.com/office/powerpoint/2010/main" val="3575897984"/>
+      </p:ext>
+    </p:extLst>
+  </p:cSld>
+  <p:clrMapOvr>
+    <a:masterClrMapping/>
+  </p:clrMapOvr>
+</p:sld>
+</file>
+
+<file path=ppt/slides/slide27.xml><?xml version="1.0" encoding="utf-8"?>
 <p:sld xmlns:a="http://schemas.openxmlformats.org/drawingml/2006/main" xmlns:r="http://schemas.openxmlformats.org/officeDocument/2006/relationships" xmlns:p="http://schemas.openxmlformats.org/presentationml/2006/main">
   <p:cSld>
     <p:spTree>
@@ -8626,7 +9183,7 @@
 </p:sld>
 </file>
 
-<file path=ppt/slides/slide27.xml><?xml version="1.0" encoding="utf-8"?>
+<file path=ppt/slides/slide28.xml><?xml version="1.0" encoding="utf-8"?>
 <p:sld xmlns:a="http://schemas.openxmlformats.org/drawingml/2006/main" xmlns:r="http://schemas.openxmlformats.org/officeDocument/2006/relationships" xmlns:p="http://schemas.openxmlformats.org/presentationml/2006/main">
   <p:cSld>
     <p:spTree>
@@ -8747,7 +9304,7 @@
 </p:sld>
 </file>
 
-<file path=ppt/slides/slide28.xml><?xml version="1.0" encoding="utf-8"?>
+<file path=ppt/slides/slide29.xml><?xml version="1.0" encoding="utf-8"?>
 <p:sld xmlns:a="http://schemas.openxmlformats.org/drawingml/2006/main" xmlns:r="http://schemas.openxmlformats.org/officeDocument/2006/relationships" xmlns:p="http://schemas.openxmlformats.org/presentationml/2006/main">
   <p:cSld>
     <p:spTree>
@@ -9230,182 +9787,6 @@
 </p:sld>
 </file>
 
-<file path=ppt/slides/slide29.xml><?xml version="1.0" encoding="utf-8"?>
-<p:sld xmlns:a="http://schemas.openxmlformats.org/drawingml/2006/main" xmlns:r="http://schemas.openxmlformats.org/officeDocument/2006/relationships" xmlns:p="http://schemas.openxmlformats.org/presentationml/2006/main">
-  <p:cSld>
-    <p:spTree>
-      <p:nvGrpSpPr>
-        <p:cNvPr id="1" name=""/>
-        <p:cNvGrpSpPr/>
-        <p:nvPr/>
-      </p:nvGrpSpPr>
-      <p:grpSpPr>
-        <a:xfrm>
-          <a:off x="0" y="0"/>
-          <a:ext cx="0" cy="0"/>
-          <a:chOff x="0" y="0"/>
-          <a:chExt cx="0" cy="0"/>
-        </a:xfrm>
-      </p:grpSpPr>
-      <p:sp>
-        <p:nvSpPr>
-          <p:cNvPr id="2" name="Text Placeholder 1">
-            <a:extLst>
-              <a:ext uri="{FF2B5EF4-FFF2-40B4-BE49-F238E27FC236}">
-                <a16:creationId xmlns:a16="http://schemas.microsoft.com/office/drawing/2014/main" id="{4DCA0737-C5A8-23D9-336B-0146A1275F95}"/>
-              </a:ext>
-            </a:extLst>
-          </p:cNvPr>
-          <p:cNvSpPr>
-            <a:spLocks noGrp="1"/>
-          </p:cNvSpPr>
-          <p:nvPr>
-            <p:ph type="body" idx="1"/>
-          </p:nvPr>
-        </p:nvSpPr>
-        <p:spPr/>
-        <p:txBody>
-          <a:bodyPr/>
-          <a:lstStyle/>
-          <a:p>
-            <a:r>
-              <a:rPr lang="en-US" dirty="0"/>
-              <a:t>Accuracy</a:t>
-            </a:r>
-          </a:p>
-        </p:txBody>
-      </p:sp>
-      <p:pic>
-        <p:nvPicPr>
-          <p:cNvPr id="8" name="Content Placeholder 7" descr="Chart, bar chart&#10;&#10;Description automatically generated">
-            <a:extLst>
-              <a:ext uri="{FF2B5EF4-FFF2-40B4-BE49-F238E27FC236}">
-                <a16:creationId xmlns:a16="http://schemas.microsoft.com/office/drawing/2014/main" id="{19F56AF0-33FD-4220-64B5-CE7573AD2330}"/>
-              </a:ext>
-            </a:extLst>
-          </p:cNvPr>
-          <p:cNvPicPr>
-            <a:picLocks noGrp="1" noChangeAspect="1"/>
-          </p:cNvPicPr>
-          <p:nvPr>
-            <p:ph sz="half" idx="2"/>
-          </p:nvPr>
-        </p:nvPicPr>
-        <p:blipFill>
-          <a:blip r:embed="rId2"/>
-          <a:stretch>
-            <a:fillRect/>
-          </a:stretch>
-        </p:blipFill>
-        <p:spPr>
-          <a:xfrm>
-            <a:off x="2318548" y="3143250"/>
-            <a:ext cx="3352678" cy="3111172"/>
-          </a:xfrm>
-        </p:spPr>
-      </p:pic>
-      <p:pic>
-        <p:nvPicPr>
-          <p:cNvPr id="10" name="Content Placeholder 9" descr="Chart, bar chart&#10;&#10;Description automatically generated">
-            <a:extLst>
-              <a:ext uri="{FF2B5EF4-FFF2-40B4-BE49-F238E27FC236}">
-                <a16:creationId xmlns:a16="http://schemas.microsoft.com/office/drawing/2014/main" id="{256CD110-386B-53A3-8571-7D1240A6CA72}"/>
-              </a:ext>
-            </a:extLst>
-          </p:cNvPr>
-          <p:cNvPicPr>
-            <a:picLocks noGrp="1" noChangeAspect="1"/>
-          </p:cNvPicPr>
-          <p:nvPr>
-            <p:ph sz="quarter" idx="4"/>
-          </p:nvPr>
-        </p:nvPicPr>
-        <p:blipFill>
-          <a:blip r:embed="rId3"/>
-          <a:stretch>
-            <a:fillRect/>
-          </a:stretch>
-        </p:blipFill>
-        <p:spPr>
-          <a:xfrm>
-            <a:off x="6520776" y="3143249"/>
-            <a:ext cx="3359194" cy="3083617"/>
-          </a:xfrm>
-        </p:spPr>
-      </p:pic>
-      <p:sp>
-        <p:nvSpPr>
-          <p:cNvPr id="5" name="Text Placeholder 4">
-            <a:extLst>
-              <a:ext uri="{FF2B5EF4-FFF2-40B4-BE49-F238E27FC236}">
-                <a16:creationId xmlns:a16="http://schemas.microsoft.com/office/drawing/2014/main" id="{E3B1303B-02AD-8C00-A4B8-AB8B95DAD80D}"/>
-              </a:ext>
-            </a:extLst>
-          </p:cNvPr>
-          <p:cNvSpPr>
-            <a:spLocks noGrp="1"/>
-          </p:cNvSpPr>
-          <p:nvPr>
-            <p:ph type="body" sz="quarter" idx="13"/>
-          </p:nvPr>
-        </p:nvSpPr>
-        <p:spPr/>
-        <p:txBody>
-          <a:bodyPr/>
-          <a:lstStyle/>
-          <a:p>
-            <a:r>
-              <a:rPr lang="en-US" dirty="0"/>
-              <a:t>Time</a:t>
-            </a:r>
-          </a:p>
-        </p:txBody>
-      </p:sp>
-      <p:sp>
-        <p:nvSpPr>
-          <p:cNvPr id="6" name="Title 5">
-            <a:extLst>
-              <a:ext uri="{FF2B5EF4-FFF2-40B4-BE49-F238E27FC236}">
-                <a16:creationId xmlns:a16="http://schemas.microsoft.com/office/drawing/2014/main" id="{81854309-5789-F572-68C0-49CDD94047BE}"/>
-              </a:ext>
-            </a:extLst>
-          </p:cNvPr>
-          <p:cNvSpPr>
-            <a:spLocks noGrp="1"/>
-          </p:cNvSpPr>
-          <p:nvPr>
-            <p:ph type="title"/>
-          </p:nvPr>
-        </p:nvSpPr>
-        <p:spPr/>
-        <p:txBody>
-          <a:bodyPr/>
-          <a:lstStyle/>
-          <a:p>
-            <a:r>
-              <a:rPr lang="en-US" cap="none" dirty="0" err="1"/>
-              <a:t>SparkML</a:t>
-            </a:r>
-            <a:r>
-              <a:rPr lang="en-US" cap="none" dirty="0"/>
-              <a:t> Results</a:t>
-            </a:r>
-          </a:p>
-        </p:txBody>
-      </p:sp>
-    </p:spTree>
-    <p:extLst>
-      <p:ext uri="{BB962C8B-B14F-4D97-AF65-F5344CB8AC3E}">
-        <p14:creationId xmlns:p14="http://schemas.microsoft.com/office/powerpoint/2010/main" val="3006039798"/>
-      </p:ext>
-    </p:extLst>
-  </p:cSld>
-  <p:clrMapOvr>
-    <a:masterClrMapping/>
-  </p:clrMapOvr>
-</p:sld>
-</file>
-
 <file path=ppt/slides/slide3.xml><?xml version="1.0" encoding="utf-8"?>
 <p:sld xmlns:a="http://schemas.openxmlformats.org/drawingml/2006/main" xmlns:r="http://schemas.openxmlformats.org/officeDocument/2006/relationships" xmlns:p="http://schemas.openxmlformats.org/presentationml/2006/main">
   <p:cSld>
@@ -9517,6 +9898,182 @@
       </p:grpSpPr>
       <p:sp>
         <p:nvSpPr>
+          <p:cNvPr id="2" name="Text Placeholder 1">
+            <a:extLst>
+              <a:ext uri="{FF2B5EF4-FFF2-40B4-BE49-F238E27FC236}">
+                <a16:creationId xmlns:a16="http://schemas.microsoft.com/office/drawing/2014/main" id="{4DCA0737-C5A8-23D9-336B-0146A1275F95}"/>
+              </a:ext>
+            </a:extLst>
+          </p:cNvPr>
+          <p:cNvSpPr>
+            <a:spLocks noGrp="1"/>
+          </p:cNvSpPr>
+          <p:nvPr>
+            <p:ph type="body" idx="1"/>
+          </p:nvPr>
+        </p:nvSpPr>
+        <p:spPr/>
+        <p:txBody>
+          <a:bodyPr/>
+          <a:lstStyle/>
+          <a:p>
+            <a:r>
+              <a:rPr lang="en-US" dirty="0"/>
+              <a:t>Accuracy</a:t>
+            </a:r>
+          </a:p>
+        </p:txBody>
+      </p:sp>
+      <p:pic>
+        <p:nvPicPr>
+          <p:cNvPr id="8" name="Content Placeholder 7" descr="Chart, bar chart&#10;&#10;Description automatically generated">
+            <a:extLst>
+              <a:ext uri="{FF2B5EF4-FFF2-40B4-BE49-F238E27FC236}">
+                <a16:creationId xmlns:a16="http://schemas.microsoft.com/office/drawing/2014/main" id="{19F56AF0-33FD-4220-64B5-CE7573AD2330}"/>
+              </a:ext>
+            </a:extLst>
+          </p:cNvPr>
+          <p:cNvPicPr>
+            <a:picLocks noGrp="1" noChangeAspect="1"/>
+          </p:cNvPicPr>
+          <p:nvPr>
+            <p:ph sz="half" idx="2"/>
+          </p:nvPr>
+        </p:nvPicPr>
+        <p:blipFill>
+          <a:blip r:embed="rId2"/>
+          <a:stretch>
+            <a:fillRect/>
+          </a:stretch>
+        </p:blipFill>
+        <p:spPr>
+          <a:xfrm>
+            <a:off x="2318548" y="3143250"/>
+            <a:ext cx="3352678" cy="3111172"/>
+          </a:xfrm>
+        </p:spPr>
+      </p:pic>
+      <p:pic>
+        <p:nvPicPr>
+          <p:cNvPr id="10" name="Content Placeholder 9" descr="Chart, bar chart&#10;&#10;Description automatically generated">
+            <a:extLst>
+              <a:ext uri="{FF2B5EF4-FFF2-40B4-BE49-F238E27FC236}">
+                <a16:creationId xmlns:a16="http://schemas.microsoft.com/office/drawing/2014/main" id="{256CD110-386B-53A3-8571-7D1240A6CA72}"/>
+              </a:ext>
+            </a:extLst>
+          </p:cNvPr>
+          <p:cNvPicPr>
+            <a:picLocks noGrp="1" noChangeAspect="1"/>
+          </p:cNvPicPr>
+          <p:nvPr>
+            <p:ph sz="quarter" idx="4"/>
+          </p:nvPr>
+        </p:nvPicPr>
+        <p:blipFill>
+          <a:blip r:embed="rId3"/>
+          <a:stretch>
+            <a:fillRect/>
+          </a:stretch>
+        </p:blipFill>
+        <p:spPr>
+          <a:xfrm>
+            <a:off x="6520776" y="3143249"/>
+            <a:ext cx="3359194" cy="3083617"/>
+          </a:xfrm>
+        </p:spPr>
+      </p:pic>
+      <p:sp>
+        <p:nvSpPr>
+          <p:cNvPr id="5" name="Text Placeholder 4">
+            <a:extLst>
+              <a:ext uri="{FF2B5EF4-FFF2-40B4-BE49-F238E27FC236}">
+                <a16:creationId xmlns:a16="http://schemas.microsoft.com/office/drawing/2014/main" id="{E3B1303B-02AD-8C00-A4B8-AB8B95DAD80D}"/>
+              </a:ext>
+            </a:extLst>
+          </p:cNvPr>
+          <p:cNvSpPr>
+            <a:spLocks noGrp="1"/>
+          </p:cNvSpPr>
+          <p:nvPr>
+            <p:ph type="body" sz="quarter" idx="13"/>
+          </p:nvPr>
+        </p:nvSpPr>
+        <p:spPr/>
+        <p:txBody>
+          <a:bodyPr/>
+          <a:lstStyle/>
+          <a:p>
+            <a:r>
+              <a:rPr lang="en-US" dirty="0"/>
+              <a:t>Time</a:t>
+            </a:r>
+          </a:p>
+        </p:txBody>
+      </p:sp>
+      <p:sp>
+        <p:nvSpPr>
+          <p:cNvPr id="6" name="Title 5">
+            <a:extLst>
+              <a:ext uri="{FF2B5EF4-FFF2-40B4-BE49-F238E27FC236}">
+                <a16:creationId xmlns:a16="http://schemas.microsoft.com/office/drawing/2014/main" id="{81854309-5789-F572-68C0-49CDD94047BE}"/>
+              </a:ext>
+            </a:extLst>
+          </p:cNvPr>
+          <p:cNvSpPr>
+            <a:spLocks noGrp="1"/>
+          </p:cNvSpPr>
+          <p:nvPr>
+            <p:ph type="title"/>
+          </p:nvPr>
+        </p:nvSpPr>
+        <p:spPr/>
+        <p:txBody>
+          <a:bodyPr/>
+          <a:lstStyle/>
+          <a:p>
+            <a:r>
+              <a:rPr lang="en-US" cap="none" dirty="0" err="1"/>
+              <a:t>SparkML</a:t>
+            </a:r>
+            <a:r>
+              <a:rPr lang="en-US" cap="none" dirty="0"/>
+              <a:t> Results</a:t>
+            </a:r>
+          </a:p>
+        </p:txBody>
+      </p:sp>
+    </p:spTree>
+    <p:extLst>
+      <p:ext uri="{BB962C8B-B14F-4D97-AF65-F5344CB8AC3E}">
+        <p14:creationId xmlns:p14="http://schemas.microsoft.com/office/powerpoint/2010/main" val="3006039798"/>
+      </p:ext>
+    </p:extLst>
+  </p:cSld>
+  <p:clrMapOvr>
+    <a:masterClrMapping/>
+  </p:clrMapOvr>
+</p:sld>
+</file>
+
+<file path=ppt/slides/slide31.xml><?xml version="1.0" encoding="utf-8"?>
+<p:sld xmlns:a="http://schemas.openxmlformats.org/drawingml/2006/main" xmlns:r="http://schemas.openxmlformats.org/officeDocument/2006/relationships" xmlns:p="http://schemas.openxmlformats.org/presentationml/2006/main">
+  <p:cSld>
+    <p:spTree>
+      <p:nvGrpSpPr>
+        <p:cNvPr id="1" name=""/>
+        <p:cNvGrpSpPr/>
+        <p:nvPr/>
+      </p:nvGrpSpPr>
+      <p:grpSpPr>
+        <a:xfrm>
+          <a:off x="0" y="0"/>
+          <a:ext cx="0" cy="0"/>
+          <a:chOff x="0" y="0"/>
+          <a:chExt cx="0" cy="0"/>
+        </a:xfrm>
+      </p:grpSpPr>
+      <p:sp>
+        <p:nvSpPr>
           <p:cNvPr id="2" name="Title 1">
             <a:extLst>
               <a:ext uri="{FF2B5EF4-FFF2-40B4-BE49-F238E27FC236}">
@@ -9589,7 +10146,7 @@
 </p:sld>
 </file>
 
-<file path=ppt/slides/slide31.xml><?xml version="1.0" encoding="utf-8"?>
+<file path=ppt/slides/slide32.xml><?xml version="1.0" encoding="utf-8"?>
 <p:sld xmlns:a="http://schemas.openxmlformats.org/drawingml/2006/main" xmlns:r="http://schemas.openxmlformats.org/officeDocument/2006/relationships" xmlns:p="http://schemas.openxmlformats.org/presentationml/2006/main">
   <p:cSld>
     <p:spTree>
